--- a/esp32_hardware/telua_eps32.pptx
+++ b/esp32_hardware/telua_eps32.pptx
@@ -14464,10 +14464,10 @@
       </p:sp>
       <p:pic>
         <p:nvPicPr>
-          <p:cNvPr id="11" name="Picture 10">
+          <p:cNvPr id="8" name="Picture 7">
             <a:extLst>
               <a:ext uri="{FF2B5EF4-FFF2-40B4-BE49-F238E27FC236}">
-                <a16:creationId xmlns:a16="http://schemas.microsoft.com/office/drawing/2014/main" id="{479B3626-D6AD-32DD-148E-291A3E192689}"/>
+                <a16:creationId xmlns:a16="http://schemas.microsoft.com/office/drawing/2014/main" id="{8A0FB44F-BF68-7956-554B-441EBD935E56}"/>
               </a:ext>
             </a:extLst>
           </p:cNvPr>
@@ -14484,8 +14484,8 @@
         </p:blipFill>
         <p:spPr>
           <a:xfrm>
-            <a:off x="523830" y="1505803"/>
-            <a:ext cx="8596668" cy="3470042"/>
+            <a:off x="727030" y="1442545"/>
+            <a:ext cx="9945026" cy="4195225"/>
           </a:xfrm>
           <a:prstGeom prst="rect">
             <a:avLst/>

--- a/esp32_hardware/telua_eps32.pptx
+++ b/esp32_hardware/telua_eps32.pptx
@@ -848,7 +848,7 @@
           <a:p>
             <a:fld id="{3341EE12-F28E-4B03-A404-A8FCAE0F6316}" type="datetime1">
               <a:rPr lang="en-US" smtClean="0"/>
-              <a:t>6/2/2023</a:t>
+              <a:t>6/4/2023</a:t>
             </a:fld>
             <a:endParaRPr lang="en-US" dirty="0"/>
           </a:p>
@@ -1099,7 +1099,7 @@
           <a:p>
             <a:fld id="{6989806E-8E94-473C-AEE7-BE6F15F85533}" type="datetime1">
               <a:rPr lang="en-US" smtClean="0"/>
-              <a:t>6/2/2023</a:t>
+              <a:t>6/4/2023</a:t>
             </a:fld>
             <a:endParaRPr lang="en-US" dirty="0"/>
           </a:p>
@@ -1415,7 +1415,7 @@
           <a:p>
             <a:fld id="{6989806E-8E94-473C-AEE7-BE6F15F85533}" type="datetime1">
               <a:rPr lang="en-US" smtClean="0"/>
-              <a:t>6/2/2023</a:t>
+              <a:t>6/4/2023</a:t>
             </a:fld>
             <a:endParaRPr lang="en-US" dirty="0"/>
           </a:p>
@@ -1758,7 +1758,7 @@
           <a:p>
             <a:fld id="{6989806E-8E94-473C-AEE7-BE6F15F85533}" type="datetime1">
               <a:rPr lang="en-US" smtClean="0"/>
-              <a:t>6/2/2023</a:t>
+              <a:t>6/4/2023</a:t>
             </a:fld>
             <a:endParaRPr lang="en-US" dirty="0"/>
           </a:p>
@@ -2074,7 +2074,7 @@
           <a:p>
             <a:fld id="{6989806E-8E94-473C-AEE7-BE6F15F85533}" type="datetime1">
               <a:rPr lang="en-US" smtClean="0"/>
-              <a:t>6/2/2023</a:t>
+              <a:t>6/4/2023</a:t>
             </a:fld>
             <a:endParaRPr lang="en-US" dirty="0"/>
           </a:p>
@@ -2469,7 +2469,7 @@
           <a:p>
             <a:fld id="{6989806E-8E94-473C-AEE7-BE6F15F85533}" type="datetime1">
               <a:rPr lang="en-US" smtClean="0"/>
-              <a:t>6/2/2023</a:t>
+              <a:t>6/4/2023</a:t>
             </a:fld>
             <a:endParaRPr lang="en-US" dirty="0"/>
           </a:p>
@@ -2641,7 +2641,7 @@
           <a:p>
             <a:fld id="{B68B8189-0D9C-48A6-9FA3-862227B094CE}" type="datetime1">
               <a:rPr lang="en-US" smtClean="0"/>
-              <a:t>6/2/2023</a:t>
+              <a:t>6/4/2023</a:t>
             </a:fld>
             <a:endParaRPr lang="en-US"/>
           </a:p>
@@ -2821,7 +2821,7 @@
           <a:p>
             <a:fld id="{26ADDCAE-6443-42C3-9C19-F95985500186}" type="datetime1">
               <a:rPr lang="en-US" smtClean="0"/>
-              <a:t>6/2/2023</a:t>
+              <a:t>6/4/2023</a:t>
             </a:fld>
             <a:endParaRPr lang="en-US" dirty="0"/>
           </a:p>
@@ -2997,7 +2997,7 @@
           <a:p>
             <a:fld id="{1962799E-EB8E-4038-8063-81BB57C732D4}" type="datetime1">
               <a:rPr lang="en-US" smtClean="0"/>
-              <a:t>6/2/2023</a:t>
+              <a:t>6/4/2023</a:t>
             </a:fld>
             <a:endParaRPr lang="en-US"/>
           </a:p>
@@ -3244,7 +3244,7 @@
           <a:p>
             <a:fld id="{217A73C3-B243-44D3-809D-EF8FDFBD85D4}" type="datetime1">
               <a:rPr lang="en-US" smtClean="0"/>
-              <a:t>6/2/2023</a:t>
+              <a:t>6/4/2023</a:t>
             </a:fld>
             <a:endParaRPr lang="en-US" dirty="0"/>
           </a:p>
@@ -3476,7 +3476,7 @@
           <a:p>
             <a:fld id="{C9B6D3E3-28E2-4380-A113-67698215C5F8}" type="datetime1">
               <a:rPr lang="en-US" smtClean="0"/>
-              <a:t>6/2/2023</a:t>
+              <a:t>6/4/2023</a:t>
             </a:fld>
             <a:endParaRPr lang="en-US" dirty="0"/>
           </a:p>
@@ -3850,7 +3850,7 @@
           <a:p>
             <a:fld id="{A9EFCB61-04AD-47C9-BF79-2BD8B9CEC07A}" type="datetime1">
               <a:rPr lang="en-US" smtClean="0"/>
-              <a:t>6/2/2023</a:t>
+              <a:t>6/4/2023</a:t>
             </a:fld>
             <a:endParaRPr lang="en-US" dirty="0"/>
           </a:p>
@@ -3973,7 +3973,7 @@
           <a:p>
             <a:fld id="{A4535E0C-D585-492F-8146-7493F4086301}" type="datetime1">
               <a:rPr lang="en-US" smtClean="0"/>
-              <a:t>6/2/2023</a:t>
+              <a:t>6/4/2023</a:t>
             </a:fld>
             <a:endParaRPr lang="en-US"/>
           </a:p>
@@ -4068,7 +4068,7 @@
           <a:p>
             <a:fld id="{8CE48390-48B5-49AB-B019-A7C8FB8C31F6}" type="datetime1">
               <a:rPr lang="en-US" smtClean="0"/>
-              <a:t>6/2/2023</a:t>
+              <a:t>6/4/2023</a:t>
             </a:fld>
             <a:endParaRPr lang="en-US"/>
           </a:p>
@@ -4323,7 +4323,7 @@
           <a:p>
             <a:fld id="{962E767E-8A14-4E70-91B9-2101CBC4D7BD}" type="datetime1">
               <a:rPr lang="en-US" smtClean="0"/>
-              <a:t>6/2/2023</a:t>
+              <a:t>6/4/2023</a:t>
             </a:fld>
             <a:endParaRPr lang="en-US" dirty="0"/>
           </a:p>
@@ -4586,7 +4586,7 @@
           <a:p>
             <a:fld id="{01AF0C4B-5A4A-45CA-ABEC-10F107160D33}" type="datetime1">
               <a:rPr lang="en-US" smtClean="0"/>
-              <a:t>6/2/2023</a:t>
+              <a:t>6/4/2023</a:t>
             </a:fld>
             <a:endParaRPr lang="en-US" dirty="0"/>
           </a:p>
@@ -5329,7 +5329,7 @@
           <a:p>
             <a:fld id="{6989806E-8E94-473C-AEE7-BE6F15F85533}" type="datetime1">
               <a:rPr lang="en-US" smtClean="0"/>
-              <a:t>6/2/2023</a:t>
+              <a:t>6/4/2023</a:t>
             </a:fld>
             <a:endParaRPr lang="en-US" dirty="0"/>
           </a:p>
@@ -12181,8 +12181,8 @@
         </p:nvSpPr>
         <p:spPr>
           <a:xfrm>
-            <a:off x="422889" y="1025958"/>
-            <a:ext cx="8410433" cy="646331"/>
+            <a:off x="422890" y="1025959"/>
+            <a:ext cx="5063510" cy="2031325"/>
           </a:xfrm>
           <a:prstGeom prst="rect">
             <a:avLst/>
@@ -12201,39 +12201,254 @@
             </a:r>
             <a:r>
               <a:rPr lang="en-US" dirty="0" err="1"/>
-              <a:t>Cài</a:t>
-            </a:r>
-            <a:r>
-              <a:rPr lang="en-US" dirty="0"/>
-              <a:t> </a:t>
-            </a:r>
-            <a:r>
-              <a:rPr lang="en-US" dirty="0" err="1"/>
-              <a:t>đặt</a:t>
-            </a:r>
-            <a:r>
-              <a:rPr lang="en-US" dirty="0"/>
-              <a:t> </a:t>
-            </a:r>
-            <a:r>
-              <a:rPr lang="en-US" dirty="0" err="1"/>
-              <a:t>ứng</a:t>
-            </a:r>
-            <a:r>
-              <a:rPr lang="en-US" dirty="0"/>
-              <a:t> </a:t>
-            </a:r>
-            <a:r>
-              <a:rPr lang="en-US" dirty="0" err="1"/>
-              <a:t>dụng</a:t>
-            </a:r>
-            <a:r>
-              <a:rPr lang="en-US" dirty="0"/>
-              <a:t> </a:t>
-            </a:r>
-            <a:r>
-              <a:rPr lang="en-US" dirty="0" err="1"/>
-              <a:t>EspTouch</a:t>
+              <a:t>Nếu</a:t>
+            </a:r>
+            <a:r>
+              <a:rPr lang="en-US" dirty="0"/>
+              <a:t> </a:t>
+            </a:r>
+            <a:r>
+              <a:rPr lang="en-US" dirty="0" err="1"/>
+              <a:t>thiết</a:t>
+            </a:r>
+            <a:r>
+              <a:rPr lang="en-US" dirty="0"/>
+              <a:t> </a:t>
+            </a:r>
+            <a:r>
+              <a:rPr lang="en-US" dirty="0" err="1"/>
+              <a:t>bị</a:t>
+            </a:r>
+            <a:r>
+              <a:rPr lang="en-US" dirty="0"/>
+              <a:t> </a:t>
+            </a:r>
+            <a:r>
+              <a:rPr lang="en-US" dirty="0" err="1"/>
+              <a:t>chưa</a:t>
+            </a:r>
+            <a:r>
+              <a:rPr lang="en-US" dirty="0"/>
+              <a:t> </a:t>
+            </a:r>
+            <a:r>
+              <a:rPr lang="en-US" dirty="0" err="1"/>
+              <a:t>kết</a:t>
+            </a:r>
+            <a:r>
+              <a:rPr lang="en-US" dirty="0"/>
+              <a:t> </a:t>
+            </a:r>
+            <a:r>
+              <a:rPr lang="en-US" dirty="0" err="1"/>
+              <a:t>nối</a:t>
+            </a:r>
+            <a:r>
+              <a:rPr lang="en-US" dirty="0"/>
+              <a:t> </a:t>
+            </a:r>
+            <a:r>
+              <a:rPr lang="en-US" dirty="0" err="1"/>
+              <a:t>được</a:t>
+            </a:r>
+            <a:r>
+              <a:rPr lang="en-US" dirty="0"/>
+              <a:t> internet, </a:t>
+            </a:r>
+            <a:r>
+              <a:rPr lang="en-US" dirty="0" err="1"/>
+              <a:t>Thiết</a:t>
+            </a:r>
+            <a:r>
+              <a:rPr lang="en-US" dirty="0"/>
+              <a:t> </a:t>
+            </a:r>
+            <a:r>
+              <a:rPr lang="en-US" dirty="0" err="1"/>
+              <a:t>bị</a:t>
+            </a:r>
+            <a:r>
+              <a:rPr lang="en-US" dirty="0"/>
+              <a:t> </a:t>
+            </a:r>
+            <a:r>
+              <a:rPr lang="en-US" dirty="0" err="1"/>
+              <a:t>sẽ</a:t>
+            </a:r>
+            <a:r>
+              <a:rPr lang="en-US" dirty="0"/>
+              <a:t> </a:t>
+            </a:r>
+            <a:r>
+              <a:rPr lang="en-US" dirty="0" err="1"/>
+              <a:t>trở</a:t>
+            </a:r>
+            <a:r>
+              <a:rPr lang="en-US" dirty="0"/>
+              <a:t> </a:t>
+            </a:r>
+            <a:r>
+              <a:rPr lang="en-US" dirty="0" err="1"/>
+              <a:t>thành</a:t>
+            </a:r>
+            <a:r>
+              <a:rPr lang="en-US" dirty="0"/>
+              <a:t> </a:t>
+            </a:r>
+            <a:r>
+              <a:rPr lang="en-US" dirty="0" err="1"/>
+              <a:t>một</a:t>
+            </a:r>
+            <a:r>
+              <a:rPr lang="en-US" dirty="0"/>
+              <a:t> </a:t>
+            </a:r>
+            <a:r>
+              <a:rPr lang="en-US" dirty="0" err="1"/>
+              <a:t>một</a:t>
+            </a:r>
+            <a:r>
+              <a:rPr lang="en-US" dirty="0"/>
+              <a:t> </a:t>
+            </a:r>
+            <a:r>
+              <a:rPr lang="en-US" dirty="0" err="1"/>
+              <a:t>điểm</a:t>
+            </a:r>
+            <a:r>
+              <a:rPr lang="en-US" dirty="0"/>
+              <a:t> </a:t>
+            </a:r>
+            <a:r>
+              <a:rPr lang="en-US" dirty="0" err="1"/>
+              <a:t>truy</a:t>
+            </a:r>
+            <a:r>
+              <a:rPr lang="en-US" dirty="0"/>
+              <a:t> </a:t>
+            </a:r>
+            <a:r>
+              <a:rPr lang="en-US" dirty="0" err="1"/>
+              <a:t>cập</a:t>
+            </a:r>
+            <a:r>
+              <a:rPr lang="en-US" dirty="0"/>
+              <a:t> </a:t>
+            </a:r>
+            <a:r>
+              <a:rPr lang="en-US" dirty="0" err="1"/>
+              <a:t>và</a:t>
+            </a:r>
+            <a:r>
+              <a:rPr lang="en-US" dirty="0"/>
+              <a:t>  </a:t>
+            </a:r>
+            <a:r>
+              <a:rPr lang="en-US" dirty="0" err="1"/>
+              <a:t>truy</a:t>
+            </a:r>
+            <a:r>
+              <a:rPr lang="en-US" dirty="0"/>
+              <a:t> </a:t>
+            </a:r>
+            <a:r>
+              <a:rPr lang="en-US" dirty="0" err="1"/>
+              <a:t>cập</a:t>
+            </a:r>
+            <a:r>
+              <a:rPr lang="en-US" dirty="0"/>
+              <a:t> </a:t>
+            </a:r>
+            <a:r>
+              <a:rPr lang="en-US" dirty="0" err="1"/>
+              <a:t>địa</a:t>
+            </a:r>
+            <a:r>
+              <a:rPr lang="en-US" dirty="0"/>
+              <a:t> </a:t>
+            </a:r>
+            <a:r>
+              <a:rPr lang="en-US" dirty="0" err="1"/>
+              <a:t>chỉ</a:t>
+            </a:r>
+            <a:r>
+              <a:rPr lang="en-US" dirty="0"/>
+              <a:t> </a:t>
+            </a:r>
+            <a:r>
+              <a:rPr lang="en-US" dirty="0">
+                <a:hlinkClick r:id="rId3"/>
+              </a:rPr>
+              <a:t>http://192.168.0.1</a:t>
+            </a:r>
+            <a:r>
+              <a:rPr lang="en-US" dirty="0"/>
+              <a:t>  </a:t>
+            </a:r>
+            <a:r>
+              <a:rPr lang="en-US" dirty="0" err="1"/>
+              <a:t>để</a:t>
+            </a:r>
+            <a:r>
+              <a:rPr lang="en-US" dirty="0"/>
+              <a:t> </a:t>
+            </a:r>
+            <a:r>
+              <a:rPr lang="en-US" dirty="0" err="1"/>
+              <a:t>nhập</a:t>
+            </a:r>
+            <a:r>
+              <a:rPr lang="en-US" dirty="0"/>
+              <a:t> </a:t>
+            </a:r>
+            <a:r>
+              <a:rPr lang="en-US" dirty="0" err="1"/>
+              <a:t>thông</a:t>
+            </a:r>
+            <a:r>
+              <a:rPr lang="en-US" dirty="0"/>
+              <a:t> tin </a:t>
+            </a:r>
+            <a:r>
+              <a:rPr lang="en-US" dirty="0" err="1"/>
+              <a:t>của</a:t>
+            </a:r>
+            <a:r>
+              <a:rPr lang="en-US" dirty="0"/>
+              <a:t> Wi-Fi</a:t>
+            </a:r>
+          </a:p>
+          <a:p>
+            <a:endParaRPr lang="en-US" dirty="0"/>
+          </a:p>
+          <a:p>
+            <a:r>
+              <a:rPr lang="en-US" dirty="0" err="1"/>
+              <a:t>Tên</a:t>
+            </a:r>
+            <a:r>
+              <a:rPr lang="en-US" dirty="0"/>
+              <a:t> </a:t>
+            </a:r>
+            <a:r>
+              <a:rPr lang="en-US" dirty="0" err="1"/>
+              <a:t>điểm</a:t>
+            </a:r>
+            <a:r>
+              <a:rPr lang="en-US" dirty="0"/>
+              <a:t> </a:t>
+            </a:r>
+            <a:r>
+              <a:rPr lang="en-US" dirty="0" err="1"/>
+              <a:t>truy</a:t>
+            </a:r>
+            <a:r>
+              <a:rPr lang="en-US" dirty="0"/>
+              <a:t> </a:t>
+            </a:r>
+            <a:r>
+              <a:rPr lang="en-US" dirty="0" err="1"/>
+              <a:t>cập</a:t>
             </a:r>
             <a:r>
               <a:rPr lang="en-US" dirty="0"/>
@@ -12241,73 +12456,65 @@
             </a:r>
             <a:r>
               <a:rPr lang="en-US" dirty="0" err="1"/>
-              <a:t>SmartConfig</a:t>
-            </a:r>
-            <a:r>
-              <a:rPr lang="en-US" dirty="0"/>
-              <a:t>  </a:t>
-            </a:r>
-            <a:r>
-              <a:rPr lang="en-US"/>
-              <a:t>lên </a:t>
-            </a:r>
-            <a:r>
-              <a:rPr lang="en-US" dirty="0" err="1"/>
-              <a:t>thiết</a:t>
-            </a:r>
-            <a:r>
-              <a:rPr lang="en-US" dirty="0"/>
-              <a:t> </a:t>
-            </a:r>
-            <a:r>
-              <a:rPr lang="en-US" dirty="0" err="1"/>
-              <a:t>bị</a:t>
-            </a:r>
-            <a:r>
-              <a:rPr lang="en-US" dirty="0"/>
-              <a:t> di </a:t>
-            </a:r>
-            <a:r>
-              <a:rPr lang="en-US" dirty="0" err="1"/>
-              <a:t>động</a:t>
-            </a:r>
-            <a:endParaRPr lang="en-US" dirty="0"/>
-          </a:p>
-          <a:p>
-            <a:endParaRPr lang="en-US" dirty="0"/>
+              <a:t>Telua</a:t>
+            </a:r>
+            <a:r>
+              <a:rPr lang="en-US" dirty="0"/>
+              <a:t>_*</a:t>
+            </a:r>
+          </a:p>
+          <a:p>
+            <a:r>
+              <a:rPr lang="en-US" dirty="0" err="1"/>
+              <a:t>Mật</a:t>
+            </a:r>
+            <a:r>
+              <a:rPr lang="en-US" dirty="0"/>
+              <a:t> </a:t>
+            </a:r>
+            <a:r>
+              <a:rPr lang="en-US" dirty="0" err="1"/>
+              <a:t>khẩu</a:t>
+            </a:r>
+            <a:r>
+              <a:rPr lang="en-US" dirty="0"/>
+              <a:t> </a:t>
+            </a:r>
+            <a:r>
+              <a:rPr lang="en-US" dirty="0" err="1"/>
+              <a:t>điểm</a:t>
+            </a:r>
+            <a:r>
+              <a:rPr lang="en-US" dirty="0"/>
+              <a:t> </a:t>
+            </a:r>
+            <a:r>
+              <a:rPr lang="en-US" dirty="0" err="1"/>
+              <a:t>truy</a:t>
+            </a:r>
+            <a:r>
+              <a:rPr lang="en-US" dirty="0"/>
+              <a:t> </a:t>
+            </a:r>
+            <a:r>
+              <a:rPr lang="en-US" dirty="0" err="1"/>
+              <a:t>cập</a:t>
+            </a:r>
+            <a:r>
+              <a:rPr lang="en-US" dirty="0"/>
+              <a:t>: </a:t>
+            </a:r>
+            <a:r>
+              <a:rPr lang="en-US" b="1" dirty="0">
+                <a:solidFill>
+                  <a:srgbClr val="FF0000"/>
+                </a:solidFill>
+              </a:rPr>
+              <a:t>12345678</a:t>
+            </a:r>
           </a:p>
         </p:txBody>
       </p:sp>
-      <p:pic>
-        <p:nvPicPr>
-          <p:cNvPr id="8" name="Picture 7">
-            <a:extLst>
-              <a:ext uri="{FF2B5EF4-FFF2-40B4-BE49-F238E27FC236}">
-                <a16:creationId xmlns:a16="http://schemas.microsoft.com/office/drawing/2014/main" id="{D48AEC63-74DC-A77F-2004-867B9EFAB128}"/>
-              </a:ext>
-            </a:extLst>
-          </p:cNvPr>
-          <p:cNvPicPr>
-            <a:picLocks noChangeAspect="1"/>
-          </p:cNvPicPr>
-          <p:nvPr/>
-        </p:nvPicPr>
-        <p:blipFill>
-          <a:blip r:embed="rId3"/>
-          <a:stretch>
-            <a:fillRect/>
-          </a:stretch>
-        </p:blipFill>
-        <p:spPr>
-          <a:xfrm>
-            <a:off x="2034514" y="1333879"/>
-            <a:ext cx="2578429" cy="1373164"/>
-          </a:xfrm>
-          <a:prstGeom prst="rect">
-            <a:avLst/>
-          </a:prstGeom>
-        </p:spPr>
-      </p:pic>
       <p:sp>
         <p:nvSpPr>
           <p:cNvPr id="9" name="TextBox 8">
@@ -12322,7 +12529,7 @@
         </p:nvSpPr>
         <p:spPr>
           <a:xfrm>
-            <a:off x="422889" y="2872573"/>
+            <a:off x="346689" y="3118829"/>
             <a:ext cx="5215911" cy="369332"/>
           </a:xfrm>
           <a:prstGeom prst="rect">
@@ -12766,36 +12973,6 @@
           </a:p>
         </p:txBody>
       </p:sp>
-      <p:pic>
-        <p:nvPicPr>
-          <p:cNvPr id="12" name="Picture 11">
-            <a:extLst>
-              <a:ext uri="{FF2B5EF4-FFF2-40B4-BE49-F238E27FC236}">
-                <a16:creationId xmlns:a16="http://schemas.microsoft.com/office/drawing/2014/main" id="{E57D672E-BE83-1DD0-4AEA-9275A2E21119}"/>
-              </a:ext>
-            </a:extLst>
-          </p:cNvPr>
-          <p:cNvPicPr>
-            <a:picLocks noChangeAspect="1"/>
-          </p:cNvPicPr>
-          <p:nvPr/>
-        </p:nvPicPr>
-        <p:blipFill>
-          <a:blip r:embed="rId4"/>
-          <a:stretch>
-            <a:fillRect/>
-          </a:stretch>
-        </p:blipFill>
-        <p:spPr>
-          <a:xfrm>
-            <a:off x="6449211" y="1522378"/>
-            <a:ext cx="2860005" cy="5089309"/>
-          </a:xfrm>
-          <a:prstGeom prst="rect">
-            <a:avLst/>
-          </a:prstGeom>
-        </p:spPr>
-      </p:pic>
       <p:sp>
         <p:nvSpPr>
           <p:cNvPr id="13" name="TextBox 12">
@@ -12927,6 +13104,36 @@
           </a:p>
         </p:txBody>
       </p:sp>
+      <p:pic>
+        <p:nvPicPr>
+          <p:cNvPr id="6" name="Picture 5">
+            <a:extLst>
+              <a:ext uri="{FF2B5EF4-FFF2-40B4-BE49-F238E27FC236}">
+                <a16:creationId xmlns:a16="http://schemas.microsoft.com/office/drawing/2014/main" id="{47056FC6-9F6D-C1A4-8584-A38CC7EECFFD}"/>
+              </a:ext>
+            </a:extLst>
+          </p:cNvPr>
+          <p:cNvPicPr>
+            <a:picLocks noChangeAspect="1"/>
+          </p:cNvPicPr>
+          <p:nvPr/>
+        </p:nvPicPr>
+        <p:blipFill>
+          <a:blip r:embed="rId4"/>
+          <a:stretch>
+            <a:fillRect/>
+          </a:stretch>
+        </p:blipFill>
+        <p:spPr>
+          <a:xfrm>
+            <a:off x="7028984" y="1227859"/>
+            <a:ext cx="2598854" cy="4624598"/>
+          </a:xfrm>
+          <a:prstGeom prst="rect">
+            <a:avLst/>
+          </a:prstGeom>
+        </p:spPr>
+      </p:pic>
     </p:spTree>
     <p:extLst>
       <p:ext uri="{BB962C8B-B14F-4D97-AF65-F5344CB8AC3E}">

--- a/esp32_hardware/telua_eps32.pptx
+++ b/esp32_hardware/telua_eps32.pptx
@@ -7,19 +7,20 @@
   <p:sldIdLst>
     <p:sldId id="256" r:id="rId2"/>
     <p:sldId id="257" r:id="rId3"/>
-    <p:sldId id="258" r:id="rId4"/>
-    <p:sldId id="259" r:id="rId5"/>
-    <p:sldId id="261" r:id="rId6"/>
-    <p:sldId id="260" r:id="rId7"/>
-    <p:sldId id="262" r:id="rId8"/>
-    <p:sldId id="263" r:id="rId9"/>
-    <p:sldId id="264" r:id="rId10"/>
-    <p:sldId id="265" r:id="rId11"/>
-    <p:sldId id="266" r:id="rId12"/>
-    <p:sldId id="268" r:id="rId13"/>
-    <p:sldId id="267" r:id="rId14"/>
-    <p:sldId id="269" r:id="rId15"/>
-    <p:sldId id="270" r:id="rId16"/>
+    <p:sldId id="271" r:id="rId4"/>
+    <p:sldId id="258" r:id="rId5"/>
+    <p:sldId id="259" r:id="rId6"/>
+    <p:sldId id="261" r:id="rId7"/>
+    <p:sldId id="260" r:id="rId8"/>
+    <p:sldId id="262" r:id="rId9"/>
+    <p:sldId id="263" r:id="rId10"/>
+    <p:sldId id="264" r:id="rId11"/>
+    <p:sldId id="265" r:id="rId12"/>
+    <p:sldId id="266" r:id="rId13"/>
+    <p:sldId id="268" r:id="rId14"/>
+    <p:sldId id="267" r:id="rId15"/>
+    <p:sldId id="269" r:id="rId16"/>
+    <p:sldId id="270" r:id="rId17"/>
   </p:sldIdLst>
   <p:sldSz cx="12192000" cy="6858000"/>
   <p:notesSz cx="7315200" cy="9601200"/>
@@ -7361,6 +7362,597 @@
           </a:p>
         </p:txBody>
       </p:sp>
+      <p:pic>
+        <p:nvPicPr>
+          <p:cNvPr id="5" name="Picture 4">
+            <a:extLst>
+              <a:ext uri="{FF2B5EF4-FFF2-40B4-BE49-F238E27FC236}">
+                <a16:creationId xmlns:a16="http://schemas.microsoft.com/office/drawing/2014/main" id="{66E0F1F1-DD30-3CDC-ED67-8AF035FF883C}"/>
+              </a:ext>
+            </a:extLst>
+          </p:cNvPr>
+          <p:cNvPicPr>
+            <a:picLocks noChangeAspect="1"/>
+          </p:cNvPicPr>
+          <p:nvPr/>
+        </p:nvPicPr>
+        <p:blipFill>
+          <a:blip r:embed="rId3"/>
+          <a:stretch>
+            <a:fillRect/>
+          </a:stretch>
+        </p:blipFill>
+        <p:spPr>
+          <a:xfrm>
+            <a:off x="952310" y="1459911"/>
+            <a:ext cx="5423090" cy="2225384"/>
+          </a:xfrm>
+          <a:prstGeom prst="rect">
+            <a:avLst/>
+          </a:prstGeom>
+        </p:spPr>
+      </p:pic>
+      <p:sp>
+        <p:nvSpPr>
+          <p:cNvPr id="6" name="TextBox 5">
+            <a:extLst>
+              <a:ext uri="{FF2B5EF4-FFF2-40B4-BE49-F238E27FC236}">
+                <a16:creationId xmlns:a16="http://schemas.microsoft.com/office/drawing/2014/main" id="{165300D1-04C9-8E2B-F995-3345B25AE466}"/>
+              </a:ext>
+            </a:extLst>
+          </p:cNvPr>
+          <p:cNvSpPr txBox="1"/>
+          <p:nvPr/>
+        </p:nvSpPr>
+        <p:spPr>
+          <a:xfrm>
+            <a:off x="422889" y="1025958"/>
+            <a:ext cx="8410433" cy="369332"/>
+          </a:xfrm>
+          <a:prstGeom prst="rect">
+            <a:avLst/>
+          </a:prstGeom>
+          <a:noFill/>
+        </p:spPr>
+        <p:txBody>
+          <a:bodyPr wrap="square">
+            <a:spAutoFit/>
+          </a:bodyPr>
+          <a:lstStyle/>
+          <a:p>
+            <a:r>
+              <a:rPr lang="en-US" dirty="0"/>
+              <a:t>1   </a:t>
+            </a:r>
+            <a:r>
+              <a:rPr lang="en-US" dirty="0" err="1"/>
+              <a:t>Nhấp</a:t>
+            </a:r>
+            <a:r>
+              <a:rPr lang="en-US" dirty="0"/>
+              <a:t> </a:t>
+            </a:r>
+            <a:r>
+              <a:rPr lang="en-US" dirty="0" err="1"/>
+              <a:t>vào</a:t>
+            </a:r>
+            <a:r>
+              <a:rPr lang="en-US" dirty="0"/>
+              <a:t>  </a:t>
+            </a:r>
+            <a:r>
+              <a:rPr lang="en-US" dirty="0" err="1"/>
+              <a:t>nút</a:t>
+            </a:r>
+            <a:r>
+              <a:rPr lang="en-US" dirty="0"/>
+              <a:t>  “</a:t>
+            </a:r>
+            <a:r>
+              <a:rPr lang="en-US" dirty="0" err="1"/>
+              <a:t>Nhiều</a:t>
+            </a:r>
+            <a:r>
+              <a:rPr lang="en-US" dirty="0"/>
+              <a:t> </a:t>
+            </a:r>
+            <a:r>
+              <a:rPr lang="en-US" dirty="0" err="1"/>
+              <a:t>thông</a:t>
+            </a:r>
+            <a:r>
+              <a:rPr lang="en-US" dirty="0"/>
+              <a:t> tin </a:t>
+            </a:r>
+            <a:r>
+              <a:rPr lang="en-US" dirty="0" err="1"/>
+              <a:t>hơn</a:t>
+            </a:r>
+            <a:r>
+              <a:rPr lang="en-US" dirty="0"/>
+              <a:t>” </a:t>
+            </a:r>
+          </a:p>
+        </p:txBody>
+      </p:sp>
+      <p:sp>
+        <p:nvSpPr>
+          <p:cNvPr id="9" name="TextBox 8">
+            <a:extLst>
+              <a:ext uri="{FF2B5EF4-FFF2-40B4-BE49-F238E27FC236}">
+                <a16:creationId xmlns:a16="http://schemas.microsoft.com/office/drawing/2014/main" id="{BCBA2C6A-FABD-96FF-5216-5B55B4B0A5C0}"/>
+              </a:ext>
+            </a:extLst>
+          </p:cNvPr>
+          <p:cNvSpPr txBox="1"/>
+          <p:nvPr/>
+        </p:nvSpPr>
+        <p:spPr>
+          <a:xfrm>
+            <a:off x="422889" y="3458666"/>
+            <a:ext cx="8410433" cy="369332"/>
+          </a:xfrm>
+          <a:prstGeom prst="rect">
+            <a:avLst/>
+          </a:prstGeom>
+          <a:noFill/>
+        </p:spPr>
+        <p:txBody>
+          <a:bodyPr wrap="square">
+            <a:spAutoFit/>
+          </a:bodyPr>
+          <a:lstStyle/>
+          <a:p>
+            <a:r>
+              <a:rPr lang="en-US" dirty="0"/>
+              <a:t>2  </a:t>
+            </a:r>
+            <a:r>
+              <a:rPr lang="en-US" dirty="0" err="1"/>
+              <a:t>Nhấp</a:t>
+            </a:r>
+            <a:r>
+              <a:rPr lang="en-US" dirty="0"/>
+              <a:t> </a:t>
+            </a:r>
+            <a:r>
+              <a:rPr lang="en-US" dirty="0" err="1"/>
+              <a:t>vào</a:t>
+            </a:r>
+            <a:r>
+              <a:rPr lang="en-US" dirty="0"/>
+              <a:t>  </a:t>
+            </a:r>
+            <a:r>
+              <a:rPr lang="en-US" dirty="0" err="1"/>
+              <a:t>nút</a:t>
+            </a:r>
+            <a:r>
+              <a:rPr lang="en-US" dirty="0"/>
+              <a:t>  “</a:t>
+            </a:r>
+            <a:r>
+              <a:rPr lang="en-US" dirty="0" err="1"/>
+              <a:t>Nhiều</a:t>
+            </a:r>
+            <a:r>
+              <a:rPr lang="en-US" dirty="0"/>
+              <a:t> </a:t>
+            </a:r>
+            <a:r>
+              <a:rPr lang="en-US" dirty="0" err="1"/>
+              <a:t>thông</a:t>
+            </a:r>
+            <a:r>
+              <a:rPr lang="en-US" dirty="0"/>
+              <a:t> tin </a:t>
+            </a:r>
+            <a:r>
+              <a:rPr lang="en-US" dirty="0" err="1"/>
+              <a:t>hơn</a:t>
+            </a:r>
+            <a:r>
+              <a:rPr lang="en-US" dirty="0"/>
+              <a:t>” </a:t>
+            </a:r>
+          </a:p>
+        </p:txBody>
+      </p:sp>
+      <p:pic>
+        <p:nvPicPr>
+          <p:cNvPr id="15" name="Picture 14">
+            <a:extLst>
+              <a:ext uri="{FF2B5EF4-FFF2-40B4-BE49-F238E27FC236}">
+                <a16:creationId xmlns:a16="http://schemas.microsoft.com/office/drawing/2014/main" id="{AB4EDA55-8374-7C2B-259A-06162B6B4C18}"/>
+              </a:ext>
+            </a:extLst>
+          </p:cNvPr>
+          <p:cNvPicPr>
+            <a:picLocks noChangeAspect="1"/>
+          </p:cNvPicPr>
+          <p:nvPr/>
+        </p:nvPicPr>
+        <p:blipFill>
+          <a:blip r:embed="rId4"/>
+          <a:stretch>
+            <a:fillRect/>
+          </a:stretch>
+        </p:blipFill>
+        <p:spPr>
+          <a:xfrm>
+            <a:off x="727030" y="4067033"/>
+            <a:ext cx="9210675" cy="2619375"/>
+          </a:xfrm>
+          <a:prstGeom prst="rect">
+            <a:avLst/>
+          </a:prstGeom>
+        </p:spPr>
+      </p:pic>
+    </p:spTree>
+    <p:extLst>
+      <p:ext uri="{BB962C8B-B14F-4D97-AF65-F5344CB8AC3E}">
+        <p14:creationId xmlns:p14="http://schemas.microsoft.com/office/powerpoint/2010/main" val="520431474"/>
+      </p:ext>
+    </p:extLst>
+  </p:cSld>
+  <p:clrMapOvr>
+    <a:masterClrMapping/>
+  </p:clrMapOvr>
+</p:sld>
+</file>
+
+<file path=ppt/slides/slide11.xml><?xml version="1.0" encoding="utf-8"?>
+<p:sld xmlns:a="http://schemas.openxmlformats.org/drawingml/2006/main" xmlns:r="http://schemas.openxmlformats.org/officeDocument/2006/relationships" xmlns:p="http://schemas.openxmlformats.org/presentationml/2006/main">
+  <p:cSld>
+    <p:spTree>
+      <p:nvGrpSpPr>
+        <p:cNvPr id="1" name=""/>
+        <p:cNvGrpSpPr/>
+        <p:nvPr/>
+      </p:nvGrpSpPr>
+      <p:grpSpPr>
+        <a:xfrm>
+          <a:off x="0" y="0"/>
+          <a:ext cx="0" cy="0"/>
+          <a:chOff x="0" y="0"/>
+          <a:chExt cx="0" cy="0"/>
+        </a:xfrm>
+      </p:grpSpPr>
+      <p:sp>
+        <p:nvSpPr>
+          <p:cNvPr id="7" name="Title 1">
+            <a:extLst>
+              <a:ext uri="{FF2B5EF4-FFF2-40B4-BE49-F238E27FC236}">
+                <a16:creationId xmlns:a16="http://schemas.microsoft.com/office/drawing/2014/main" id="{359B72DA-87FA-551D-4BC8-70A0C34B72AF}"/>
+              </a:ext>
+            </a:extLst>
+          </p:cNvPr>
+          <p:cNvSpPr txBox="1">
+            <a:spLocks/>
+          </p:cNvSpPr>
+          <p:nvPr/>
+        </p:nvSpPr>
+        <p:spPr>
+          <a:xfrm>
+            <a:off x="9323698" y="6242415"/>
+            <a:ext cx="2860005" cy="386985"/>
+          </a:xfrm>
+          <a:prstGeom prst="rect">
+            <a:avLst/>
+          </a:prstGeom>
+        </p:spPr>
+        <p:txBody>
+          <a:bodyPr vert="horz" lIns="91440" tIns="45720" rIns="91440" bIns="45720" rtlCol="0" anchor="b">
+            <a:noAutofit/>
+          </a:bodyPr>
+          <a:lstStyle>
+            <a:lvl1pPr algn="r" defTabSz="457200" rtl="0" eaLnBrk="1" latinLnBrk="0" hangingPunct="1">
+              <a:spcBef>
+                <a:spcPct val="0"/>
+              </a:spcBef>
+              <a:buNone/>
+              <a:defRPr sz="5400" kern="1200">
+                <a:solidFill>
+                  <a:schemeClr val="accent1"/>
+                </a:solidFill>
+                <a:latin typeface="+mj-lt"/>
+                <a:ea typeface="+mj-ea"/>
+                <a:cs typeface="+mj-cs"/>
+              </a:defRPr>
+            </a:lvl1pPr>
+            <a:lvl2pPr eaLnBrk="1" hangingPunct="1">
+              <a:defRPr>
+                <a:solidFill>
+                  <a:schemeClr val="tx2"/>
+                </a:solidFill>
+              </a:defRPr>
+            </a:lvl2pPr>
+            <a:lvl3pPr eaLnBrk="1" hangingPunct="1">
+              <a:defRPr>
+                <a:solidFill>
+                  <a:schemeClr val="tx2"/>
+                </a:solidFill>
+              </a:defRPr>
+            </a:lvl3pPr>
+            <a:lvl4pPr eaLnBrk="1" hangingPunct="1">
+              <a:defRPr>
+                <a:solidFill>
+                  <a:schemeClr val="tx2"/>
+                </a:solidFill>
+              </a:defRPr>
+            </a:lvl4pPr>
+            <a:lvl5pPr eaLnBrk="1" hangingPunct="1">
+              <a:defRPr>
+                <a:solidFill>
+                  <a:schemeClr val="tx2"/>
+                </a:solidFill>
+              </a:defRPr>
+            </a:lvl5pPr>
+            <a:lvl6pPr eaLnBrk="1" hangingPunct="1">
+              <a:defRPr>
+                <a:solidFill>
+                  <a:schemeClr val="tx2"/>
+                </a:solidFill>
+              </a:defRPr>
+            </a:lvl6pPr>
+            <a:lvl7pPr eaLnBrk="1" hangingPunct="1">
+              <a:defRPr>
+                <a:solidFill>
+                  <a:schemeClr val="tx2"/>
+                </a:solidFill>
+              </a:defRPr>
+            </a:lvl7pPr>
+            <a:lvl8pPr eaLnBrk="1" hangingPunct="1">
+              <a:defRPr>
+                <a:solidFill>
+                  <a:schemeClr val="tx2"/>
+                </a:solidFill>
+              </a:defRPr>
+            </a:lvl8pPr>
+            <a:lvl9pPr eaLnBrk="1" hangingPunct="1">
+              <a:defRPr>
+                <a:solidFill>
+                  <a:schemeClr val="tx2"/>
+                </a:solidFill>
+              </a:defRPr>
+            </a:lvl9pPr>
+          </a:lstStyle>
+          <a:p>
+            <a:r>
+              <a:rPr lang="en-US" sz="1200" b="1" dirty="0">
+                <a:solidFill>
+                  <a:schemeClr val="tx2">
+                    <a:lumMod val="75000"/>
+                  </a:schemeClr>
+                </a:solidFill>
+                <a:hlinkClick r:id="rId2">
+                  <a:extLst>
+                    <a:ext uri="{A12FA001-AC4F-418D-AE19-62706E023703}">
+                      <ahyp:hlinkClr xmlns:ahyp="http://schemas.microsoft.com/office/drawing/2018/hyperlinkcolor" val="tx"/>
+                    </a:ext>
+                  </a:extLst>
+                </a:hlinkClick>
+              </a:rPr>
+              <a:t>https://telua.co</a:t>
+            </a:r>
+            <a:r>
+              <a:rPr lang="en-US" sz="1200" b="1" dirty="0">
+                <a:solidFill>
+                  <a:schemeClr val="tx2">
+                    <a:lumMod val="75000"/>
+                  </a:schemeClr>
+                </a:solidFill>
+              </a:rPr>
+              <a:t> - </a:t>
+            </a:r>
+            <a:r>
+              <a:rPr lang="en-US" sz="1200" b="1" dirty="0" err="1">
+                <a:solidFill>
+                  <a:schemeClr val="tx2">
+                    <a:lumMod val="75000"/>
+                  </a:schemeClr>
+                </a:solidFill>
+              </a:rPr>
+              <a:t>Telua</a:t>
+            </a:r>
+            <a:r>
+              <a:rPr lang="en-US" sz="1200" b="1" dirty="0">
+                <a:solidFill>
+                  <a:schemeClr val="tx2">
+                    <a:lumMod val="75000"/>
+                  </a:schemeClr>
+                </a:solidFill>
+              </a:rPr>
+              <a:t> IoT platform</a:t>
+            </a:r>
+          </a:p>
+        </p:txBody>
+      </p:sp>
+      <p:sp>
+        <p:nvSpPr>
+          <p:cNvPr id="3" name="Title 2">
+            <a:extLst>
+              <a:ext uri="{FF2B5EF4-FFF2-40B4-BE49-F238E27FC236}">
+                <a16:creationId xmlns:a16="http://schemas.microsoft.com/office/drawing/2014/main" id="{4D0C11FB-F0F1-86AC-9FF1-475D9048F2D5}"/>
+              </a:ext>
+            </a:extLst>
+          </p:cNvPr>
+          <p:cNvSpPr>
+            <a:spLocks noGrp="1"/>
+          </p:cNvSpPr>
+          <p:nvPr>
+            <p:ph type="title"/>
+          </p:nvPr>
+        </p:nvSpPr>
+        <p:spPr>
+          <a:xfrm>
+            <a:off x="727030" y="228600"/>
+            <a:ext cx="8596668" cy="849573"/>
+          </a:xfrm>
+        </p:spPr>
+        <p:txBody>
+          <a:bodyPr/>
+          <a:lstStyle/>
+          <a:p>
+            <a:r>
+              <a:rPr lang="en-US" dirty="0" err="1"/>
+              <a:t>Cách</a:t>
+            </a:r>
+            <a:r>
+              <a:rPr lang="en-US" dirty="0"/>
+              <a:t>  </a:t>
+            </a:r>
+            <a:r>
+              <a:rPr lang="en-US" dirty="0" err="1"/>
+              <a:t>nhận</a:t>
+            </a:r>
+            <a:r>
+              <a:rPr lang="en-US" dirty="0"/>
+              <a:t> tin </a:t>
+            </a:r>
+            <a:r>
+              <a:rPr lang="en-US" dirty="0" err="1"/>
+              <a:t>nhắn</a:t>
+            </a:r>
+            <a:r>
+              <a:rPr lang="en-US" dirty="0"/>
+              <a:t> </a:t>
+            </a:r>
+            <a:r>
+              <a:rPr lang="en-US" dirty="0" err="1"/>
+              <a:t>cảnh</a:t>
+            </a:r>
+            <a:r>
+              <a:rPr lang="en-US" dirty="0"/>
+              <a:t> </a:t>
+            </a:r>
+            <a:r>
+              <a:rPr lang="en-US" dirty="0" err="1"/>
+              <a:t>báo</a:t>
+            </a:r>
+            <a:r>
+              <a:rPr lang="en-US" dirty="0"/>
+              <a:t> </a:t>
+            </a:r>
+          </a:p>
+        </p:txBody>
+      </p:sp>
+      <p:sp>
+        <p:nvSpPr>
+          <p:cNvPr id="4" name="Title 4">
+            <a:extLst>
+              <a:ext uri="{FF2B5EF4-FFF2-40B4-BE49-F238E27FC236}">
+                <a16:creationId xmlns:a16="http://schemas.microsoft.com/office/drawing/2014/main" id="{FC12EDBD-AD68-F6CA-9967-1B3C127CAB2F}"/>
+              </a:ext>
+            </a:extLst>
+          </p:cNvPr>
+          <p:cNvSpPr txBox="1">
+            <a:spLocks/>
+          </p:cNvSpPr>
+          <p:nvPr/>
+        </p:nvSpPr>
+        <p:spPr>
+          <a:xfrm>
+            <a:off x="727030" y="1364776"/>
+            <a:ext cx="8596668" cy="2415654"/>
+          </a:xfrm>
+          <a:prstGeom prst="rect">
+            <a:avLst/>
+          </a:prstGeom>
+        </p:spPr>
+        <p:txBody>
+          <a:bodyPr vert="horz" lIns="91440" tIns="45720" rIns="91440" bIns="45720" rtlCol="0" anchor="t">
+            <a:noAutofit/>
+          </a:bodyPr>
+          <a:lstStyle>
+            <a:lvl1pPr algn="l" defTabSz="457200" rtl="0" eaLnBrk="1" latinLnBrk="0" hangingPunct="1">
+              <a:spcBef>
+                <a:spcPct val="0"/>
+              </a:spcBef>
+              <a:buNone/>
+              <a:defRPr sz="3600" kern="1200">
+                <a:solidFill>
+                  <a:schemeClr val="accent1"/>
+                </a:solidFill>
+                <a:latin typeface="+mj-lt"/>
+                <a:ea typeface="+mj-ea"/>
+                <a:cs typeface="+mj-cs"/>
+              </a:defRPr>
+            </a:lvl1pPr>
+            <a:lvl2pPr eaLnBrk="1" hangingPunct="1">
+              <a:defRPr>
+                <a:solidFill>
+                  <a:schemeClr val="tx2"/>
+                </a:solidFill>
+              </a:defRPr>
+            </a:lvl2pPr>
+            <a:lvl3pPr eaLnBrk="1" hangingPunct="1">
+              <a:defRPr>
+                <a:solidFill>
+                  <a:schemeClr val="tx2"/>
+                </a:solidFill>
+              </a:defRPr>
+            </a:lvl3pPr>
+            <a:lvl4pPr eaLnBrk="1" hangingPunct="1">
+              <a:defRPr>
+                <a:solidFill>
+                  <a:schemeClr val="tx2"/>
+                </a:solidFill>
+              </a:defRPr>
+            </a:lvl4pPr>
+            <a:lvl5pPr eaLnBrk="1" hangingPunct="1">
+              <a:defRPr>
+                <a:solidFill>
+                  <a:schemeClr val="tx2"/>
+                </a:solidFill>
+              </a:defRPr>
+            </a:lvl5pPr>
+            <a:lvl6pPr eaLnBrk="1" hangingPunct="1">
+              <a:defRPr>
+                <a:solidFill>
+                  <a:schemeClr val="tx2"/>
+                </a:solidFill>
+              </a:defRPr>
+            </a:lvl6pPr>
+            <a:lvl7pPr eaLnBrk="1" hangingPunct="1">
+              <a:defRPr>
+                <a:solidFill>
+                  <a:schemeClr val="tx2"/>
+                </a:solidFill>
+              </a:defRPr>
+            </a:lvl7pPr>
+            <a:lvl8pPr eaLnBrk="1" hangingPunct="1">
+              <a:defRPr>
+                <a:solidFill>
+                  <a:schemeClr val="tx2"/>
+                </a:solidFill>
+              </a:defRPr>
+            </a:lvl8pPr>
+            <a:lvl9pPr eaLnBrk="1" hangingPunct="1">
+              <a:defRPr>
+                <a:solidFill>
+                  <a:schemeClr val="tx2"/>
+                </a:solidFill>
+              </a:defRPr>
+            </a:lvl9pPr>
+          </a:lstStyle>
+          <a:p>
+            <a:r>
+              <a:rPr lang="en-US" sz="1800" b="1" dirty="0">
+                <a:solidFill>
+                  <a:schemeClr val="tx1"/>
+                </a:solidFill>
+              </a:rPr>
+              <a:t> </a:t>
+            </a:r>
+            <a:endParaRPr lang="en-US" sz="1800" dirty="0">
+              <a:solidFill>
+                <a:schemeClr val="tx1"/>
+              </a:solidFill>
+            </a:endParaRPr>
+          </a:p>
+        </p:txBody>
+      </p:sp>
       <p:sp>
         <p:nvSpPr>
           <p:cNvPr id="6" name="TextBox 5">
@@ -7487,7 +8079,7 @@
 </p:sld>
 </file>
 
-<file path=ppt/slides/slide11.xml><?xml version="1.0" encoding="utf-8"?>
+<file path=ppt/slides/slide12.xml><?xml version="1.0" encoding="utf-8"?>
 <p:sld xmlns:a="http://schemas.openxmlformats.org/drawingml/2006/main" xmlns:r="http://schemas.openxmlformats.org/officeDocument/2006/relationships" xmlns:p="http://schemas.openxmlformats.org/presentationml/2006/main">
   <p:cSld>
     <p:spTree>
@@ -7853,7 +8445,7 @@
 </p:sld>
 </file>
 
-<file path=ppt/slides/slide12.xml><?xml version="1.0" encoding="utf-8"?>
+<file path=ppt/slides/slide13.xml><?xml version="1.0" encoding="utf-8"?>
 <p:sld xmlns:a="http://schemas.openxmlformats.org/drawingml/2006/main" xmlns:r="http://schemas.openxmlformats.org/officeDocument/2006/relationships" xmlns:p="http://schemas.openxmlformats.org/presentationml/2006/main">
   <p:cSld>
     <p:spTree>
@@ -8347,7 +8939,7 @@
 </p:sld>
 </file>
 
-<file path=ppt/slides/slide13.xml><?xml version="1.0" encoding="utf-8"?>
+<file path=ppt/slides/slide14.xml><?xml version="1.0" encoding="utf-8"?>
 <p:sld xmlns:a="http://schemas.openxmlformats.org/drawingml/2006/main" xmlns:r="http://schemas.openxmlformats.org/officeDocument/2006/relationships" xmlns:p="http://schemas.openxmlformats.org/presentationml/2006/main">
   <p:cSld>
     <p:spTree>
@@ -8805,7 +9397,7 @@
 </p:sld>
 </file>
 
-<file path=ppt/slides/slide14.xml><?xml version="1.0" encoding="utf-8"?>
+<file path=ppt/slides/slide15.xml><?xml version="1.0" encoding="utf-8"?>
 <p:sld xmlns:a="http://schemas.openxmlformats.org/drawingml/2006/main" xmlns:r="http://schemas.openxmlformats.org/officeDocument/2006/relationships" xmlns:p="http://schemas.openxmlformats.org/presentationml/2006/main">
   <p:cSld>
     <p:spTree>
@@ -9405,7 +9997,7 @@
 </p:sld>
 </file>
 
-<file path=ppt/slides/slide15.xml><?xml version="1.0" encoding="utf-8"?>
+<file path=ppt/slides/slide16.xml><?xml version="1.0" encoding="utf-8"?>
 <p:sld xmlns:a="http://schemas.openxmlformats.org/drawingml/2006/main" xmlns:r="http://schemas.openxmlformats.org/officeDocument/2006/relationships" xmlns:p="http://schemas.openxmlformats.org/presentationml/2006/main">
   <p:cSld>
     <p:spTree>
@@ -11178,7 +11770,7 @@
           <p:cNvPr id="3" name="Title 2">
             <a:extLst>
               <a:ext uri="{FF2B5EF4-FFF2-40B4-BE49-F238E27FC236}">
-                <a16:creationId xmlns:a16="http://schemas.microsoft.com/office/drawing/2014/main" id="{4D0C11FB-F0F1-86AC-9FF1-475D9048F2D5}"/>
+                <a16:creationId xmlns:a16="http://schemas.microsoft.com/office/drawing/2014/main" id="{BD8A3C38-6642-8A2F-ECEA-BE4D8CE59281}"/>
               </a:ext>
             </a:extLst>
           </p:cNvPr>
@@ -11191,68 +11783,461 @@
         </p:nvSpPr>
         <p:spPr>
           <a:xfrm>
-            <a:off x="727030" y="228600"/>
-            <a:ext cx="8596668" cy="849573"/>
+            <a:off x="941048" y="1331494"/>
+            <a:ext cx="5815802" cy="4491790"/>
           </a:xfrm>
         </p:spPr>
         <p:txBody>
-          <a:bodyPr/>
+          <a:bodyPr>
+            <a:normAutofit/>
+          </a:bodyPr>
           <a:lstStyle/>
           <a:p>
             <a:r>
-              <a:rPr lang="en-US" dirty="0" err="1"/>
-              <a:t>Hướng</a:t>
-            </a:r>
-            <a:r>
-              <a:rPr lang="en-US" dirty="0"/>
-              <a:t> </a:t>
-            </a:r>
-            <a:r>
-              <a:rPr lang="en-US" dirty="0" err="1"/>
-              <a:t>dẫn</a:t>
-            </a:r>
-            <a:r>
-              <a:rPr lang="en-US" dirty="0"/>
-              <a:t> </a:t>
-            </a:r>
-            <a:r>
-              <a:rPr lang="en-US" dirty="0" err="1"/>
-              <a:t>đăng</a:t>
-            </a:r>
-            <a:r>
-              <a:rPr lang="en-US" dirty="0"/>
-              <a:t> </a:t>
-            </a:r>
-            <a:r>
-              <a:rPr lang="en-US" dirty="0" err="1"/>
-              <a:t>kí</a:t>
-            </a:r>
-            <a:r>
-              <a:rPr lang="en-US" dirty="0"/>
-              <a:t> </a:t>
-            </a:r>
-            <a:r>
-              <a:rPr lang="en-US" dirty="0" err="1"/>
-              <a:t>thiết</a:t>
-            </a:r>
-            <a:r>
-              <a:rPr lang="en-US" dirty="0"/>
-              <a:t> </a:t>
-            </a:r>
-            <a:r>
-              <a:rPr lang="en-US" dirty="0" err="1"/>
+              <a:rPr lang="en-US" sz="2000" dirty="0">
+                <a:solidFill>
+                  <a:schemeClr val="tx1"/>
+                </a:solidFill>
+              </a:rPr>
+              <a:t>- </a:t>
+            </a:r>
+            <a:r>
+              <a:rPr lang="en-US" sz="2000" dirty="0" err="1">
+                <a:solidFill>
+                  <a:schemeClr val="tx1"/>
+                </a:solidFill>
+              </a:rPr>
+              <a:t>Cảm</a:t>
+            </a:r>
+            <a:r>
+              <a:rPr lang="en-US" sz="2000" dirty="0">
+                <a:solidFill>
+                  <a:schemeClr val="tx1"/>
+                </a:solidFill>
+              </a:rPr>
+              <a:t> </a:t>
+            </a:r>
+            <a:r>
+              <a:rPr lang="en-US" sz="2000" dirty="0" err="1">
+                <a:solidFill>
+                  <a:schemeClr val="tx1"/>
+                </a:solidFill>
+              </a:rPr>
+              <a:t>biến</a:t>
+            </a:r>
+            <a:r>
+              <a:rPr lang="en-US" sz="2000" dirty="0">
+                <a:solidFill>
+                  <a:schemeClr val="tx1"/>
+                </a:solidFill>
+              </a:rPr>
+              <a:t> </a:t>
+            </a:r>
+            <a:r>
+              <a:rPr lang="en-US" sz="2000" dirty="0" err="1">
+                <a:solidFill>
+                  <a:schemeClr val="tx1"/>
+                </a:solidFill>
+              </a:rPr>
+              <a:t>có</a:t>
+            </a:r>
+            <a:r>
+              <a:rPr lang="en-US" sz="2000" dirty="0">
+                <a:solidFill>
+                  <a:schemeClr val="tx1"/>
+                </a:solidFill>
+              </a:rPr>
+              <a:t> </a:t>
+            </a:r>
+            <a:r>
+              <a:rPr lang="en-US" sz="2000" dirty="0" err="1">
+                <a:solidFill>
+                  <a:schemeClr val="tx1"/>
+                </a:solidFill>
+              </a:rPr>
+              <a:t>thể</a:t>
+            </a:r>
+            <a:r>
+              <a:rPr lang="en-US" sz="2000" dirty="0">
+                <a:solidFill>
+                  <a:schemeClr val="tx1"/>
+                </a:solidFill>
+              </a:rPr>
+              <a:t> </a:t>
+            </a:r>
+            <a:r>
+              <a:rPr lang="en-US" sz="2000" dirty="0" err="1">
+                <a:solidFill>
+                  <a:schemeClr val="tx1"/>
+                </a:solidFill>
+              </a:rPr>
+              <a:t>dễ</a:t>
+            </a:r>
+            <a:r>
+              <a:rPr lang="en-US" sz="2000" dirty="0">
+                <a:solidFill>
+                  <a:schemeClr val="tx1"/>
+                </a:solidFill>
+              </a:rPr>
+              <a:t> </a:t>
+            </a:r>
+            <a:r>
+              <a:rPr lang="en-US" sz="2000" dirty="0" err="1">
+                <a:solidFill>
+                  <a:schemeClr val="tx1"/>
+                </a:solidFill>
+              </a:rPr>
+              <a:t>dàng</a:t>
+            </a:r>
+            <a:r>
+              <a:rPr lang="en-US" sz="2000" dirty="0">
+                <a:solidFill>
+                  <a:schemeClr val="tx1"/>
+                </a:solidFill>
+              </a:rPr>
+              <a:t> </a:t>
+            </a:r>
+            <a:r>
+              <a:rPr lang="en-US" sz="2000" dirty="0" err="1">
+                <a:solidFill>
+                  <a:schemeClr val="tx1"/>
+                </a:solidFill>
+              </a:rPr>
+              <a:t>thay</a:t>
+            </a:r>
+            <a:r>
+              <a:rPr lang="en-US" sz="2000" dirty="0">
+                <a:solidFill>
+                  <a:schemeClr val="tx1"/>
+                </a:solidFill>
+              </a:rPr>
+              <a:t>  </a:t>
+            </a:r>
+            <a:r>
+              <a:rPr lang="en-US" sz="2000" dirty="0" err="1">
+                <a:solidFill>
+                  <a:schemeClr val="tx1"/>
+                </a:solidFill>
+              </a:rPr>
+              <a:t>đổikhi</a:t>
+            </a:r>
+            <a:r>
+              <a:rPr lang="en-US" sz="2000" dirty="0">
+                <a:solidFill>
+                  <a:schemeClr val="tx1"/>
+                </a:solidFill>
+              </a:rPr>
+              <a:t> </a:t>
+            </a:r>
+            <a:r>
+              <a:rPr lang="en-US" sz="2000" dirty="0" err="1">
+                <a:solidFill>
+                  <a:schemeClr val="tx1"/>
+                </a:solidFill>
+              </a:rPr>
               <a:t>bị</a:t>
             </a:r>
-            <a:endParaRPr lang="en-US" dirty="0"/>
+            <a:r>
+              <a:rPr lang="en-US" sz="2000" dirty="0">
+                <a:solidFill>
+                  <a:schemeClr val="tx1"/>
+                </a:solidFill>
+              </a:rPr>
+              <a:t> </a:t>
+            </a:r>
+            <a:r>
+              <a:rPr lang="en-US" sz="2000" dirty="0" err="1">
+                <a:solidFill>
+                  <a:schemeClr val="tx1"/>
+                </a:solidFill>
+              </a:rPr>
+              <a:t>lỗi</a:t>
+            </a:r>
+            <a:r>
+              <a:rPr lang="en-US" sz="2000" dirty="0">
+                <a:solidFill>
+                  <a:schemeClr val="tx1"/>
+                </a:solidFill>
+              </a:rPr>
+              <a:t> </a:t>
+            </a:r>
+            <a:br>
+              <a:rPr lang="en-US" sz="2000" dirty="0">
+                <a:solidFill>
+                  <a:schemeClr val="tx1"/>
+                </a:solidFill>
+              </a:rPr>
+            </a:br>
+            <a:r>
+              <a:rPr lang="en-US" sz="2000" dirty="0">
+                <a:solidFill>
+                  <a:schemeClr val="tx1"/>
+                </a:solidFill>
+              </a:rPr>
+              <a:t>- Qua </a:t>
+            </a:r>
+            <a:r>
+              <a:rPr lang="en-US" sz="2000" dirty="0" err="1">
+                <a:solidFill>
+                  <a:schemeClr val="tx1"/>
+                </a:solidFill>
+              </a:rPr>
+              <a:t>thời</a:t>
+            </a:r>
+            <a:r>
+              <a:rPr lang="en-US" sz="2000" dirty="0">
+                <a:solidFill>
+                  <a:schemeClr val="tx1"/>
+                </a:solidFill>
+              </a:rPr>
+              <a:t> </a:t>
+            </a:r>
+            <a:r>
+              <a:rPr lang="en-US" sz="2000" dirty="0" err="1">
+                <a:solidFill>
+                  <a:schemeClr val="tx1"/>
+                </a:solidFill>
+              </a:rPr>
+              <a:t>gian</a:t>
+            </a:r>
+            <a:r>
+              <a:rPr lang="en-US" sz="2000" dirty="0">
+                <a:solidFill>
+                  <a:schemeClr val="tx1"/>
+                </a:solidFill>
+              </a:rPr>
+              <a:t> </a:t>
+            </a:r>
+            <a:r>
+              <a:rPr lang="en-US" sz="2000" dirty="0" err="1">
+                <a:solidFill>
+                  <a:schemeClr val="tx1"/>
+                </a:solidFill>
+              </a:rPr>
+              <a:t>khuyến</a:t>
+            </a:r>
+            <a:r>
+              <a:rPr lang="en-US" sz="2000" dirty="0">
+                <a:solidFill>
+                  <a:schemeClr val="tx1"/>
+                </a:solidFill>
+              </a:rPr>
+              <a:t> </a:t>
+            </a:r>
+            <a:r>
+              <a:rPr lang="en-US" sz="2000" dirty="0" err="1">
+                <a:solidFill>
+                  <a:schemeClr val="tx1"/>
+                </a:solidFill>
+              </a:rPr>
+              <a:t>cáo</a:t>
+            </a:r>
+            <a:r>
+              <a:rPr lang="en-US" sz="2000" dirty="0">
+                <a:solidFill>
+                  <a:schemeClr val="tx1"/>
+                </a:solidFill>
+              </a:rPr>
+              <a:t>  </a:t>
+            </a:r>
+            <a:r>
+              <a:rPr lang="en-US" sz="2000" dirty="0" err="1">
+                <a:solidFill>
+                  <a:schemeClr val="tx1"/>
+                </a:solidFill>
+              </a:rPr>
+              <a:t>cảm</a:t>
+            </a:r>
+            <a:r>
+              <a:rPr lang="en-US" sz="2000" dirty="0">
+                <a:solidFill>
+                  <a:schemeClr val="tx1"/>
+                </a:solidFill>
+              </a:rPr>
+              <a:t> </a:t>
+            </a:r>
+            <a:r>
+              <a:rPr lang="en-US" sz="2000" dirty="0" err="1">
+                <a:solidFill>
+                  <a:schemeClr val="tx1"/>
+                </a:solidFill>
+              </a:rPr>
+              <a:t>biến</a:t>
+            </a:r>
+            <a:r>
+              <a:rPr lang="en-US" sz="2000" dirty="0">
+                <a:solidFill>
+                  <a:schemeClr val="tx1"/>
+                </a:solidFill>
+              </a:rPr>
+              <a:t> </a:t>
+            </a:r>
+            <a:r>
+              <a:rPr lang="en-US" sz="2000" dirty="0" err="1">
+                <a:solidFill>
+                  <a:schemeClr val="tx1"/>
+                </a:solidFill>
+              </a:rPr>
+              <a:t>nên</a:t>
+            </a:r>
+            <a:r>
+              <a:rPr lang="en-US" sz="2000" dirty="0">
+                <a:solidFill>
+                  <a:schemeClr val="tx1"/>
+                </a:solidFill>
+              </a:rPr>
+              <a:t> </a:t>
+            </a:r>
+            <a:r>
+              <a:rPr lang="en-US" sz="2000" dirty="0" err="1">
+                <a:solidFill>
+                  <a:schemeClr val="tx1"/>
+                </a:solidFill>
+              </a:rPr>
+              <a:t>được</a:t>
+            </a:r>
+            <a:r>
+              <a:rPr lang="en-US" sz="2000" dirty="0">
+                <a:solidFill>
+                  <a:schemeClr val="tx1"/>
+                </a:solidFill>
+              </a:rPr>
+              <a:t> </a:t>
+            </a:r>
+            <a:r>
+              <a:rPr lang="en-US" sz="2000" dirty="0" err="1">
+                <a:solidFill>
+                  <a:schemeClr val="tx1"/>
+                </a:solidFill>
+              </a:rPr>
+              <a:t>thay</a:t>
+            </a:r>
+            <a:r>
+              <a:rPr lang="en-US" sz="2000" dirty="0">
+                <a:solidFill>
+                  <a:schemeClr val="tx1"/>
+                </a:solidFill>
+              </a:rPr>
+              <a:t> </a:t>
+            </a:r>
+            <a:r>
+              <a:rPr lang="en-US" sz="2000" dirty="0" err="1">
+                <a:solidFill>
+                  <a:schemeClr val="tx1"/>
+                </a:solidFill>
+              </a:rPr>
+              <a:t>đổi</a:t>
+            </a:r>
+            <a:r>
+              <a:rPr lang="en-US" sz="2000" dirty="0">
+                <a:solidFill>
+                  <a:schemeClr val="tx1"/>
+                </a:solidFill>
+              </a:rPr>
+              <a:t> </a:t>
+            </a:r>
+            <a:r>
+              <a:rPr lang="en-US" sz="2000" dirty="0" err="1">
+                <a:solidFill>
+                  <a:schemeClr val="tx1"/>
+                </a:solidFill>
+              </a:rPr>
+              <a:t>để</a:t>
+            </a:r>
+            <a:r>
+              <a:rPr lang="en-US" sz="2000" dirty="0">
+                <a:solidFill>
+                  <a:schemeClr val="tx1"/>
+                </a:solidFill>
+              </a:rPr>
+              <a:t> </a:t>
+            </a:r>
+            <a:r>
+              <a:rPr lang="en-US" sz="2000" dirty="0" err="1">
+                <a:solidFill>
+                  <a:schemeClr val="tx1"/>
+                </a:solidFill>
+              </a:rPr>
+              <a:t>đảm</a:t>
+            </a:r>
+            <a:r>
+              <a:rPr lang="en-US" sz="2000" dirty="0">
+                <a:solidFill>
+                  <a:schemeClr val="tx1"/>
+                </a:solidFill>
+              </a:rPr>
+              <a:t> </a:t>
+            </a:r>
+            <a:r>
+              <a:rPr lang="en-US" sz="2000" dirty="0" err="1">
+                <a:solidFill>
+                  <a:schemeClr val="tx1"/>
+                </a:solidFill>
+              </a:rPr>
+              <a:t>bảo</a:t>
+            </a:r>
+            <a:r>
+              <a:rPr lang="en-US" sz="2000" dirty="0">
+                <a:solidFill>
+                  <a:schemeClr val="tx1"/>
+                </a:solidFill>
+              </a:rPr>
+              <a:t> </a:t>
+            </a:r>
+            <a:r>
+              <a:rPr lang="en-US" sz="2000" dirty="0" err="1">
+                <a:solidFill>
+                  <a:schemeClr val="tx1"/>
+                </a:solidFill>
+              </a:rPr>
+              <a:t>bộ</a:t>
+            </a:r>
+            <a:r>
+              <a:rPr lang="en-US" sz="2000" dirty="0">
+                <a:solidFill>
+                  <a:schemeClr val="tx1"/>
+                </a:solidFill>
+              </a:rPr>
+              <a:t> </a:t>
+            </a:r>
+            <a:r>
+              <a:rPr lang="en-US" sz="2000" dirty="0" err="1">
+                <a:solidFill>
+                  <a:schemeClr val="tx1"/>
+                </a:solidFill>
+              </a:rPr>
+              <a:t>chính</a:t>
+            </a:r>
+            <a:r>
+              <a:rPr lang="en-US" sz="2000" dirty="0">
+                <a:solidFill>
+                  <a:schemeClr val="tx1"/>
+                </a:solidFill>
+              </a:rPr>
+              <a:t> </a:t>
+            </a:r>
+            <a:r>
+              <a:rPr lang="en-US" sz="2000" dirty="0" err="1">
+                <a:solidFill>
+                  <a:schemeClr val="tx1"/>
+                </a:solidFill>
+              </a:rPr>
+              <a:t>xác</a:t>
+            </a:r>
+            <a:endParaRPr lang="en-US" sz="2000" dirty="0">
+              <a:solidFill>
+                <a:schemeClr val="tx1"/>
+              </a:solidFill>
+            </a:endParaRPr>
           </a:p>
         </p:txBody>
       </p:sp>
       <p:sp>
         <p:nvSpPr>
-          <p:cNvPr id="4" name="Title 4">
+          <p:cNvPr id="10" name="Title 2">
             <a:extLst>
               <a:ext uri="{FF2B5EF4-FFF2-40B4-BE49-F238E27FC236}">
-                <a16:creationId xmlns:a16="http://schemas.microsoft.com/office/drawing/2014/main" id="{FC12EDBD-AD68-F6CA-9967-1B3C127CAB2F}"/>
+                <a16:creationId xmlns:a16="http://schemas.microsoft.com/office/drawing/2014/main" id="{3FAE59EA-E543-EE58-B310-7F5C215E8ABE}"/>
               </a:ext>
             </a:extLst>
           </p:cNvPr>
@@ -11263,8 +12248,8 @@
         </p:nvSpPr>
         <p:spPr>
           <a:xfrm>
-            <a:off x="727030" y="1364776"/>
-            <a:ext cx="8596668" cy="1310185"/>
+            <a:off x="727030" y="228600"/>
+            <a:ext cx="8596668" cy="849573"/>
           </a:xfrm>
           <a:prstGeom prst="rect">
             <a:avLst/>
@@ -11272,7 +12257,7 @@
         </p:spPr>
         <p:txBody>
           <a:bodyPr vert="horz" lIns="91440" tIns="45720" rIns="91440" bIns="45720" rtlCol="0" anchor="t">
-            <a:noAutofit/>
+            <a:normAutofit/>
           </a:bodyPr>
           <a:lstStyle>
             <a:lvl1pPr algn="l" defTabSz="457200" rtl="0" eaLnBrk="1" latinLnBrk="0" hangingPunct="1">
@@ -11348,472 +12333,66 @@
           </a:lstStyle>
           <a:p>
             <a:r>
-              <a:rPr lang="en-US" sz="1800" b="1" dirty="0" err="1">
-                <a:solidFill>
-                  <a:schemeClr val="tx1"/>
-                </a:solidFill>
-              </a:rPr>
-              <a:t>Cần</a:t>
-            </a:r>
-            <a:r>
-              <a:rPr lang="en-US" sz="1800" b="1" dirty="0">
-                <a:solidFill>
-                  <a:schemeClr val="tx1"/>
-                </a:solidFill>
-              </a:rPr>
-              <a:t> </a:t>
-            </a:r>
-            <a:r>
-              <a:rPr lang="en-US" sz="1800" b="1" dirty="0" err="1">
-                <a:solidFill>
-                  <a:schemeClr val="tx1"/>
-                </a:solidFill>
-              </a:rPr>
-              <a:t>hai</a:t>
-            </a:r>
-            <a:r>
-              <a:rPr lang="en-US" sz="1800" b="1" dirty="0">
-                <a:solidFill>
-                  <a:schemeClr val="tx1"/>
-                </a:solidFill>
-              </a:rPr>
-              <a:t> </a:t>
-            </a:r>
-            <a:r>
-              <a:rPr lang="en-US" sz="1800" b="1" dirty="0" err="1">
-                <a:solidFill>
-                  <a:schemeClr val="tx1"/>
-                </a:solidFill>
-              </a:rPr>
-              <a:t>bước</a:t>
-            </a:r>
-            <a:r>
-              <a:rPr lang="en-US" sz="1800" b="1" dirty="0">
-                <a:solidFill>
-                  <a:schemeClr val="tx1"/>
-                </a:solidFill>
-              </a:rPr>
-              <a:t> </a:t>
-            </a:r>
-            <a:r>
-              <a:rPr lang="en-US" sz="1800" b="1" dirty="0" err="1">
-                <a:solidFill>
-                  <a:schemeClr val="tx1"/>
-                </a:solidFill>
-              </a:rPr>
-              <a:t>để</a:t>
-            </a:r>
-            <a:r>
-              <a:rPr lang="en-US" sz="1800" b="1" dirty="0">
-                <a:solidFill>
-                  <a:schemeClr val="tx1"/>
-                </a:solidFill>
-              </a:rPr>
-              <a:t> </a:t>
-            </a:r>
-            <a:r>
-              <a:rPr lang="en-US" sz="1800" b="1" dirty="0" err="1">
-                <a:solidFill>
-                  <a:schemeClr val="tx1"/>
-                </a:solidFill>
-              </a:rPr>
-              <a:t>một</a:t>
-            </a:r>
-            <a:r>
-              <a:rPr lang="en-US" sz="1800" b="1" dirty="0">
-                <a:solidFill>
-                  <a:schemeClr val="tx1"/>
-                </a:solidFill>
-              </a:rPr>
-              <a:t> </a:t>
-            </a:r>
-            <a:r>
-              <a:rPr lang="en-US" sz="1800" b="1" dirty="0" err="1">
-                <a:solidFill>
-                  <a:schemeClr val="tx1"/>
-                </a:solidFill>
-              </a:rPr>
-              <a:t>thiết</a:t>
-            </a:r>
-            <a:r>
-              <a:rPr lang="en-US" sz="1800" b="1" dirty="0">
-                <a:solidFill>
-                  <a:schemeClr val="tx1"/>
-                </a:solidFill>
-              </a:rPr>
-              <a:t> </a:t>
-            </a:r>
-            <a:r>
-              <a:rPr lang="en-US" sz="1800" b="1" dirty="0" err="1">
-                <a:solidFill>
-                  <a:schemeClr val="tx1"/>
-                </a:solidFill>
-              </a:rPr>
-              <a:t>bị</a:t>
-            </a:r>
-            <a:r>
-              <a:rPr lang="en-US" sz="1800" b="1" dirty="0">
-                <a:solidFill>
-                  <a:schemeClr val="tx1"/>
-                </a:solidFill>
-              </a:rPr>
-              <a:t>  </a:t>
-            </a:r>
-            <a:r>
-              <a:rPr lang="en-US" sz="1800" b="1" dirty="0" err="1">
-                <a:solidFill>
-                  <a:schemeClr val="tx1"/>
-                </a:solidFill>
-              </a:rPr>
-              <a:t>có</a:t>
-            </a:r>
-            <a:r>
-              <a:rPr lang="en-US" sz="1800" b="1" dirty="0">
-                <a:solidFill>
-                  <a:schemeClr val="tx1"/>
-                </a:solidFill>
-              </a:rPr>
-              <a:t> </a:t>
-            </a:r>
-            <a:r>
-              <a:rPr lang="en-US" sz="1800" b="1" dirty="0" err="1">
-                <a:solidFill>
-                  <a:schemeClr val="tx1"/>
-                </a:solidFill>
-              </a:rPr>
-              <a:t>thể</a:t>
-            </a:r>
-            <a:r>
-              <a:rPr lang="en-US" sz="1800" b="1" dirty="0">
-                <a:solidFill>
-                  <a:schemeClr val="tx1"/>
-                </a:solidFill>
-              </a:rPr>
-              <a:t> </a:t>
-            </a:r>
-            <a:r>
-              <a:rPr lang="en-US" sz="1800" b="1" dirty="0" err="1">
-                <a:solidFill>
-                  <a:schemeClr val="tx1"/>
-                </a:solidFill>
-              </a:rPr>
-              <a:t>kết</a:t>
-            </a:r>
-            <a:r>
-              <a:rPr lang="en-US" sz="1800" b="1" dirty="0">
-                <a:solidFill>
-                  <a:schemeClr val="tx1"/>
-                </a:solidFill>
-              </a:rPr>
-              <a:t> </a:t>
-            </a:r>
-            <a:r>
-              <a:rPr lang="en-US" sz="1800" b="1" dirty="0" err="1">
-                <a:solidFill>
-                  <a:schemeClr val="tx1"/>
-                </a:solidFill>
-              </a:rPr>
-              <a:t>nối</a:t>
-            </a:r>
-            <a:r>
-              <a:rPr lang="en-US" sz="1800" b="1" dirty="0">
-                <a:solidFill>
-                  <a:schemeClr val="tx1"/>
-                </a:solidFill>
-              </a:rPr>
-              <a:t> </a:t>
-            </a:r>
-            <a:r>
-              <a:rPr lang="en-US" sz="1800" b="1" dirty="0" err="1">
-                <a:solidFill>
-                  <a:schemeClr val="tx1"/>
-                </a:solidFill>
-              </a:rPr>
-              <a:t>lên</a:t>
-            </a:r>
-            <a:r>
-              <a:rPr lang="en-US" sz="1800" b="1" dirty="0">
-                <a:solidFill>
-                  <a:schemeClr val="tx1"/>
-                </a:solidFill>
-              </a:rPr>
-              <a:t> cloud</a:t>
-            </a:r>
-          </a:p>
-          <a:p>
-            <a:endParaRPr lang="en-US" sz="1800" b="1" dirty="0">
-              <a:solidFill>
-                <a:schemeClr val="tx1"/>
-              </a:solidFill>
-            </a:endParaRPr>
-          </a:p>
-          <a:p>
-            <a:r>
-              <a:rPr lang="en-US" sz="1800" b="1" dirty="0" err="1">
-                <a:solidFill>
-                  <a:schemeClr val="tx1"/>
-                </a:solidFill>
-              </a:rPr>
-              <a:t>Bước</a:t>
-            </a:r>
-            <a:r>
-              <a:rPr lang="en-US" sz="1800" b="1" dirty="0">
-                <a:solidFill>
-                  <a:schemeClr val="tx1"/>
-                </a:solidFill>
-              </a:rPr>
-              <a:t> 1</a:t>
-            </a:r>
-            <a:r>
-              <a:rPr lang="en-US" sz="1800" dirty="0">
-                <a:solidFill>
-                  <a:schemeClr val="tx1"/>
-                </a:solidFill>
-              </a:rPr>
-              <a:t>:  </a:t>
-            </a:r>
-            <a:r>
-              <a:rPr lang="en-US" sz="1800" dirty="0" err="1">
-                <a:solidFill>
-                  <a:schemeClr val="tx1"/>
-                </a:solidFill>
-              </a:rPr>
-              <a:t>Thiết</a:t>
-            </a:r>
-            <a:r>
-              <a:rPr lang="en-US" sz="1800" dirty="0">
-                <a:solidFill>
-                  <a:schemeClr val="tx1"/>
-                </a:solidFill>
-              </a:rPr>
-              <a:t> </a:t>
-            </a:r>
-            <a:r>
-              <a:rPr lang="en-US" sz="1800" dirty="0" err="1">
-                <a:solidFill>
-                  <a:schemeClr val="tx1"/>
-                </a:solidFill>
-              </a:rPr>
-              <a:t>lập</a:t>
-            </a:r>
-            <a:r>
-              <a:rPr lang="en-US" sz="1800" dirty="0">
-                <a:solidFill>
-                  <a:schemeClr val="tx1"/>
-                </a:solidFill>
-              </a:rPr>
-              <a:t> </a:t>
-            </a:r>
-            <a:r>
-              <a:rPr lang="en-US" sz="1800" dirty="0" err="1">
-                <a:solidFill>
-                  <a:schemeClr val="tx1"/>
-                </a:solidFill>
-              </a:rPr>
-              <a:t>kết</a:t>
-            </a:r>
-            <a:r>
-              <a:rPr lang="en-US" sz="1800" dirty="0">
-                <a:solidFill>
-                  <a:schemeClr val="tx1"/>
-                </a:solidFill>
-              </a:rPr>
-              <a:t> </a:t>
-            </a:r>
-            <a:r>
-              <a:rPr lang="en-US" sz="1800" dirty="0" err="1">
-                <a:solidFill>
-                  <a:schemeClr val="tx1"/>
-                </a:solidFill>
-              </a:rPr>
-              <a:t>nối</a:t>
-            </a:r>
-            <a:r>
-              <a:rPr lang="en-US" sz="1800" dirty="0">
-                <a:solidFill>
-                  <a:schemeClr val="tx1"/>
-                </a:solidFill>
-              </a:rPr>
-              <a:t> Wi-Fi </a:t>
-            </a:r>
-            <a:r>
-              <a:rPr lang="en-US" sz="1800" dirty="0" err="1">
-                <a:solidFill>
-                  <a:schemeClr val="tx1"/>
-                </a:solidFill>
-              </a:rPr>
-              <a:t>giữa</a:t>
-            </a:r>
-            <a:r>
-              <a:rPr lang="en-US" sz="1800" dirty="0">
-                <a:solidFill>
-                  <a:schemeClr val="tx1"/>
-                </a:solidFill>
-              </a:rPr>
-              <a:t> </a:t>
-            </a:r>
-            <a:r>
-              <a:rPr lang="en-US" sz="1800" dirty="0" err="1">
-                <a:solidFill>
-                  <a:schemeClr val="tx1"/>
-                </a:solidFill>
-              </a:rPr>
-              <a:t>thiết</a:t>
-            </a:r>
-            <a:r>
-              <a:rPr lang="en-US" sz="1800" dirty="0">
-                <a:solidFill>
-                  <a:schemeClr val="tx1"/>
-                </a:solidFill>
-              </a:rPr>
-              <a:t> </a:t>
-            </a:r>
-            <a:r>
-              <a:rPr lang="en-US" sz="1800" dirty="0" err="1">
-                <a:solidFill>
-                  <a:schemeClr val="tx1"/>
-                </a:solidFill>
-              </a:rPr>
-              <a:t>bị</a:t>
-            </a:r>
-            <a:r>
-              <a:rPr lang="en-US" sz="1800" dirty="0">
-                <a:solidFill>
-                  <a:schemeClr val="tx1"/>
-                </a:solidFill>
-              </a:rPr>
-              <a:t> </a:t>
-            </a:r>
-            <a:r>
-              <a:rPr lang="en-US" sz="1800" dirty="0" err="1">
-                <a:solidFill>
-                  <a:schemeClr val="tx1"/>
-                </a:solidFill>
-              </a:rPr>
-              <a:t>và</a:t>
-            </a:r>
-            <a:r>
-              <a:rPr lang="en-US" sz="1800" dirty="0">
-                <a:solidFill>
-                  <a:schemeClr val="tx1"/>
-                </a:solidFill>
-              </a:rPr>
-              <a:t>  Internet</a:t>
-            </a:r>
-          </a:p>
-          <a:p>
-            <a:r>
-              <a:rPr lang="en-US" sz="1800" b="1" dirty="0" err="1">
-                <a:solidFill>
-                  <a:schemeClr val="tx1"/>
-                </a:solidFill>
-              </a:rPr>
-              <a:t>Bước</a:t>
-            </a:r>
-            <a:r>
-              <a:rPr lang="en-US" sz="1800" b="1" dirty="0">
-                <a:solidFill>
-                  <a:schemeClr val="tx1"/>
-                </a:solidFill>
-              </a:rPr>
-              <a:t> 2</a:t>
-            </a:r>
-            <a:r>
-              <a:rPr lang="en-US" sz="1800" dirty="0">
-                <a:solidFill>
-                  <a:schemeClr val="tx1"/>
-                </a:solidFill>
-              </a:rPr>
-              <a:t>:  Liên </a:t>
-            </a:r>
-            <a:r>
-              <a:rPr lang="en-US" sz="1800" dirty="0" err="1">
-                <a:solidFill>
-                  <a:schemeClr val="tx1"/>
-                </a:solidFill>
-              </a:rPr>
-              <a:t>kết</a:t>
-            </a:r>
-            <a:r>
-              <a:rPr lang="en-US" sz="1800" dirty="0">
-                <a:solidFill>
-                  <a:schemeClr val="tx1"/>
-                </a:solidFill>
-              </a:rPr>
-              <a:t> </a:t>
-            </a:r>
-            <a:r>
-              <a:rPr lang="en-US" sz="1800" dirty="0" err="1">
-                <a:solidFill>
-                  <a:schemeClr val="tx1"/>
-                </a:solidFill>
-              </a:rPr>
-              <a:t>thiết</a:t>
-            </a:r>
-            <a:r>
-              <a:rPr lang="en-US" sz="1800" dirty="0">
-                <a:solidFill>
-                  <a:schemeClr val="tx1"/>
-                </a:solidFill>
-              </a:rPr>
-              <a:t> </a:t>
-            </a:r>
-            <a:r>
-              <a:rPr lang="en-US" sz="1800" dirty="0" err="1">
-                <a:solidFill>
-                  <a:schemeClr val="tx1"/>
-                </a:solidFill>
-              </a:rPr>
-              <a:t>bị</a:t>
-            </a:r>
-            <a:r>
-              <a:rPr lang="en-US" sz="1800" dirty="0">
-                <a:solidFill>
-                  <a:schemeClr val="tx1"/>
-                </a:solidFill>
-              </a:rPr>
-              <a:t> </a:t>
-            </a:r>
-            <a:r>
-              <a:rPr lang="en-US" sz="1800" dirty="0" err="1">
-                <a:solidFill>
-                  <a:schemeClr val="tx1"/>
-                </a:solidFill>
-              </a:rPr>
-              <a:t>với</a:t>
-            </a:r>
-            <a:r>
-              <a:rPr lang="en-US" sz="1800" dirty="0">
-                <a:solidFill>
-                  <a:schemeClr val="tx1"/>
-                </a:solidFill>
-              </a:rPr>
-              <a:t> </a:t>
-            </a:r>
-            <a:r>
-              <a:rPr lang="en-US" sz="1800" dirty="0">
-                <a:solidFill>
-                  <a:schemeClr val="tx1"/>
-                </a:solidFill>
-                <a:hlinkClick r:id="rId3"/>
-              </a:rPr>
-              <a:t>https://telua.co/aiot</a:t>
-            </a:r>
-            <a:r>
-              <a:rPr lang="en-US" sz="1800" dirty="0">
-                <a:solidFill>
-                  <a:schemeClr val="tx1"/>
-                </a:solidFill>
-              </a:rPr>
-              <a:t> </a:t>
+              <a:rPr lang="en-US" dirty="0" err="1"/>
+              <a:t>Cảm</a:t>
+            </a:r>
+            <a:r>
+              <a:rPr lang="en-US" dirty="0"/>
+              <a:t> </a:t>
+            </a:r>
+            <a:r>
+              <a:rPr lang="en-US" dirty="0" err="1"/>
+              <a:t>biến</a:t>
+            </a:r>
+            <a:r>
+              <a:rPr lang="en-US" dirty="0"/>
+              <a:t> qua </a:t>
+            </a:r>
+            <a:r>
+              <a:rPr lang="en-US" dirty="0" err="1"/>
+              <a:t>cổng</a:t>
+            </a:r>
+            <a:r>
+              <a:rPr lang="en-US" dirty="0"/>
+              <a:t> USB</a:t>
             </a:r>
           </a:p>
         </p:txBody>
       </p:sp>
+      <p:pic>
+        <p:nvPicPr>
+          <p:cNvPr id="12" name="Picture 11">
+            <a:extLst>
+              <a:ext uri="{FF2B5EF4-FFF2-40B4-BE49-F238E27FC236}">
+                <a16:creationId xmlns:a16="http://schemas.microsoft.com/office/drawing/2014/main" id="{81967C9F-30D5-BB69-43F5-A5A5A299677F}"/>
+              </a:ext>
+            </a:extLst>
+          </p:cNvPr>
+          <p:cNvPicPr>
+            <a:picLocks noChangeAspect="1"/>
+          </p:cNvPicPr>
+          <p:nvPr/>
+        </p:nvPicPr>
+        <p:blipFill>
+          <a:blip r:embed="rId3"/>
+          <a:stretch>
+            <a:fillRect/>
+          </a:stretch>
+        </p:blipFill>
+        <p:spPr>
+          <a:xfrm>
+            <a:off x="7117282" y="1331494"/>
+            <a:ext cx="2667000" cy="4391025"/>
+          </a:xfrm>
+          <a:prstGeom prst="rect">
+            <a:avLst/>
+          </a:prstGeom>
+        </p:spPr>
+      </p:pic>
     </p:spTree>
     <p:extLst>
       <p:ext uri="{BB962C8B-B14F-4D97-AF65-F5344CB8AC3E}">
-        <p14:creationId xmlns:p14="http://schemas.microsoft.com/office/powerpoint/2010/main" val="3762266305"/>
+        <p14:creationId xmlns:p14="http://schemas.microsoft.com/office/powerpoint/2010/main" val="2805269935"/>
       </p:ext>
     </p:extLst>
   </p:cSld>
@@ -12018,6 +12597,823 @@
           <a:p>
             <a:r>
               <a:rPr lang="en-US" dirty="0" err="1"/>
+              <a:t>Hướng</a:t>
+            </a:r>
+            <a:r>
+              <a:rPr lang="en-US" dirty="0"/>
+              <a:t> </a:t>
+            </a:r>
+            <a:r>
+              <a:rPr lang="en-US" dirty="0" err="1"/>
+              <a:t>dẫn</a:t>
+            </a:r>
+            <a:r>
+              <a:rPr lang="en-US" dirty="0"/>
+              <a:t> </a:t>
+            </a:r>
+            <a:r>
+              <a:rPr lang="en-US" dirty="0" err="1"/>
+              <a:t>đăng</a:t>
+            </a:r>
+            <a:r>
+              <a:rPr lang="en-US" dirty="0"/>
+              <a:t> </a:t>
+            </a:r>
+            <a:r>
+              <a:rPr lang="en-US" dirty="0" err="1"/>
+              <a:t>kí</a:t>
+            </a:r>
+            <a:r>
+              <a:rPr lang="en-US" dirty="0"/>
+              <a:t> </a:t>
+            </a:r>
+            <a:r>
+              <a:rPr lang="en-US" dirty="0" err="1"/>
+              <a:t>thiết</a:t>
+            </a:r>
+            <a:r>
+              <a:rPr lang="en-US" dirty="0"/>
+              <a:t> </a:t>
+            </a:r>
+            <a:r>
+              <a:rPr lang="en-US" dirty="0" err="1"/>
+              <a:t>bị</a:t>
+            </a:r>
+            <a:endParaRPr lang="en-US" dirty="0"/>
+          </a:p>
+        </p:txBody>
+      </p:sp>
+      <p:sp>
+        <p:nvSpPr>
+          <p:cNvPr id="4" name="Title 4">
+            <a:extLst>
+              <a:ext uri="{FF2B5EF4-FFF2-40B4-BE49-F238E27FC236}">
+                <a16:creationId xmlns:a16="http://schemas.microsoft.com/office/drawing/2014/main" id="{FC12EDBD-AD68-F6CA-9967-1B3C127CAB2F}"/>
+              </a:ext>
+            </a:extLst>
+          </p:cNvPr>
+          <p:cNvSpPr txBox="1">
+            <a:spLocks/>
+          </p:cNvSpPr>
+          <p:nvPr/>
+        </p:nvSpPr>
+        <p:spPr>
+          <a:xfrm>
+            <a:off x="727030" y="1364776"/>
+            <a:ext cx="8596668" cy="1310185"/>
+          </a:xfrm>
+          <a:prstGeom prst="rect">
+            <a:avLst/>
+          </a:prstGeom>
+        </p:spPr>
+        <p:txBody>
+          <a:bodyPr vert="horz" lIns="91440" tIns="45720" rIns="91440" bIns="45720" rtlCol="0" anchor="t">
+            <a:noAutofit/>
+          </a:bodyPr>
+          <a:lstStyle>
+            <a:lvl1pPr algn="l" defTabSz="457200" rtl="0" eaLnBrk="1" latinLnBrk="0" hangingPunct="1">
+              <a:spcBef>
+                <a:spcPct val="0"/>
+              </a:spcBef>
+              <a:buNone/>
+              <a:defRPr sz="3600" kern="1200">
+                <a:solidFill>
+                  <a:schemeClr val="accent1"/>
+                </a:solidFill>
+                <a:latin typeface="+mj-lt"/>
+                <a:ea typeface="+mj-ea"/>
+                <a:cs typeface="+mj-cs"/>
+              </a:defRPr>
+            </a:lvl1pPr>
+            <a:lvl2pPr eaLnBrk="1" hangingPunct="1">
+              <a:defRPr>
+                <a:solidFill>
+                  <a:schemeClr val="tx2"/>
+                </a:solidFill>
+              </a:defRPr>
+            </a:lvl2pPr>
+            <a:lvl3pPr eaLnBrk="1" hangingPunct="1">
+              <a:defRPr>
+                <a:solidFill>
+                  <a:schemeClr val="tx2"/>
+                </a:solidFill>
+              </a:defRPr>
+            </a:lvl3pPr>
+            <a:lvl4pPr eaLnBrk="1" hangingPunct="1">
+              <a:defRPr>
+                <a:solidFill>
+                  <a:schemeClr val="tx2"/>
+                </a:solidFill>
+              </a:defRPr>
+            </a:lvl4pPr>
+            <a:lvl5pPr eaLnBrk="1" hangingPunct="1">
+              <a:defRPr>
+                <a:solidFill>
+                  <a:schemeClr val="tx2"/>
+                </a:solidFill>
+              </a:defRPr>
+            </a:lvl5pPr>
+            <a:lvl6pPr eaLnBrk="1" hangingPunct="1">
+              <a:defRPr>
+                <a:solidFill>
+                  <a:schemeClr val="tx2"/>
+                </a:solidFill>
+              </a:defRPr>
+            </a:lvl6pPr>
+            <a:lvl7pPr eaLnBrk="1" hangingPunct="1">
+              <a:defRPr>
+                <a:solidFill>
+                  <a:schemeClr val="tx2"/>
+                </a:solidFill>
+              </a:defRPr>
+            </a:lvl7pPr>
+            <a:lvl8pPr eaLnBrk="1" hangingPunct="1">
+              <a:defRPr>
+                <a:solidFill>
+                  <a:schemeClr val="tx2"/>
+                </a:solidFill>
+              </a:defRPr>
+            </a:lvl8pPr>
+            <a:lvl9pPr eaLnBrk="1" hangingPunct="1">
+              <a:defRPr>
+                <a:solidFill>
+                  <a:schemeClr val="tx2"/>
+                </a:solidFill>
+              </a:defRPr>
+            </a:lvl9pPr>
+          </a:lstStyle>
+          <a:p>
+            <a:r>
+              <a:rPr lang="en-US" sz="1800" b="1" dirty="0" err="1">
+                <a:solidFill>
+                  <a:schemeClr val="tx1"/>
+                </a:solidFill>
+              </a:rPr>
+              <a:t>Cần</a:t>
+            </a:r>
+            <a:r>
+              <a:rPr lang="en-US" sz="1800" b="1" dirty="0">
+                <a:solidFill>
+                  <a:schemeClr val="tx1"/>
+                </a:solidFill>
+              </a:rPr>
+              <a:t> </a:t>
+            </a:r>
+            <a:r>
+              <a:rPr lang="en-US" sz="1800" b="1" dirty="0" err="1">
+                <a:solidFill>
+                  <a:schemeClr val="tx1"/>
+                </a:solidFill>
+              </a:rPr>
+              <a:t>hai</a:t>
+            </a:r>
+            <a:r>
+              <a:rPr lang="en-US" sz="1800" b="1" dirty="0">
+                <a:solidFill>
+                  <a:schemeClr val="tx1"/>
+                </a:solidFill>
+              </a:rPr>
+              <a:t> </a:t>
+            </a:r>
+            <a:r>
+              <a:rPr lang="en-US" sz="1800" b="1" dirty="0" err="1">
+                <a:solidFill>
+                  <a:schemeClr val="tx1"/>
+                </a:solidFill>
+              </a:rPr>
+              <a:t>bước</a:t>
+            </a:r>
+            <a:r>
+              <a:rPr lang="en-US" sz="1800" b="1" dirty="0">
+                <a:solidFill>
+                  <a:schemeClr val="tx1"/>
+                </a:solidFill>
+              </a:rPr>
+              <a:t> </a:t>
+            </a:r>
+            <a:r>
+              <a:rPr lang="en-US" sz="1800" b="1" dirty="0" err="1">
+                <a:solidFill>
+                  <a:schemeClr val="tx1"/>
+                </a:solidFill>
+              </a:rPr>
+              <a:t>để</a:t>
+            </a:r>
+            <a:r>
+              <a:rPr lang="en-US" sz="1800" b="1" dirty="0">
+                <a:solidFill>
+                  <a:schemeClr val="tx1"/>
+                </a:solidFill>
+              </a:rPr>
+              <a:t> </a:t>
+            </a:r>
+            <a:r>
+              <a:rPr lang="en-US" sz="1800" b="1" dirty="0" err="1">
+                <a:solidFill>
+                  <a:schemeClr val="tx1"/>
+                </a:solidFill>
+              </a:rPr>
+              <a:t>một</a:t>
+            </a:r>
+            <a:r>
+              <a:rPr lang="en-US" sz="1800" b="1" dirty="0">
+                <a:solidFill>
+                  <a:schemeClr val="tx1"/>
+                </a:solidFill>
+              </a:rPr>
+              <a:t> </a:t>
+            </a:r>
+            <a:r>
+              <a:rPr lang="en-US" sz="1800" b="1" dirty="0" err="1">
+                <a:solidFill>
+                  <a:schemeClr val="tx1"/>
+                </a:solidFill>
+              </a:rPr>
+              <a:t>thiết</a:t>
+            </a:r>
+            <a:r>
+              <a:rPr lang="en-US" sz="1800" b="1" dirty="0">
+                <a:solidFill>
+                  <a:schemeClr val="tx1"/>
+                </a:solidFill>
+              </a:rPr>
+              <a:t> </a:t>
+            </a:r>
+            <a:r>
+              <a:rPr lang="en-US" sz="1800" b="1" dirty="0" err="1">
+                <a:solidFill>
+                  <a:schemeClr val="tx1"/>
+                </a:solidFill>
+              </a:rPr>
+              <a:t>bị</a:t>
+            </a:r>
+            <a:r>
+              <a:rPr lang="en-US" sz="1800" b="1" dirty="0">
+                <a:solidFill>
+                  <a:schemeClr val="tx1"/>
+                </a:solidFill>
+              </a:rPr>
+              <a:t>  </a:t>
+            </a:r>
+            <a:r>
+              <a:rPr lang="en-US" sz="1800" b="1" dirty="0" err="1">
+                <a:solidFill>
+                  <a:schemeClr val="tx1"/>
+                </a:solidFill>
+              </a:rPr>
+              <a:t>có</a:t>
+            </a:r>
+            <a:r>
+              <a:rPr lang="en-US" sz="1800" b="1" dirty="0">
+                <a:solidFill>
+                  <a:schemeClr val="tx1"/>
+                </a:solidFill>
+              </a:rPr>
+              <a:t> </a:t>
+            </a:r>
+            <a:r>
+              <a:rPr lang="en-US" sz="1800" b="1" dirty="0" err="1">
+                <a:solidFill>
+                  <a:schemeClr val="tx1"/>
+                </a:solidFill>
+              </a:rPr>
+              <a:t>thể</a:t>
+            </a:r>
+            <a:r>
+              <a:rPr lang="en-US" sz="1800" b="1" dirty="0">
+                <a:solidFill>
+                  <a:schemeClr val="tx1"/>
+                </a:solidFill>
+              </a:rPr>
+              <a:t> </a:t>
+            </a:r>
+            <a:r>
+              <a:rPr lang="en-US" sz="1800" b="1" dirty="0" err="1">
+                <a:solidFill>
+                  <a:schemeClr val="tx1"/>
+                </a:solidFill>
+              </a:rPr>
+              <a:t>kết</a:t>
+            </a:r>
+            <a:r>
+              <a:rPr lang="en-US" sz="1800" b="1" dirty="0">
+                <a:solidFill>
+                  <a:schemeClr val="tx1"/>
+                </a:solidFill>
+              </a:rPr>
+              <a:t> </a:t>
+            </a:r>
+            <a:r>
+              <a:rPr lang="en-US" sz="1800" b="1" dirty="0" err="1">
+                <a:solidFill>
+                  <a:schemeClr val="tx1"/>
+                </a:solidFill>
+              </a:rPr>
+              <a:t>nối</a:t>
+            </a:r>
+            <a:r>
+              <a:rPr lang="en-US" sz="1800" b="1" dirty="0">
+                <a:solidFill>
+                  <a:schemeClr val="tx1"/>
+                </a:solidFill>
+              </a:rPr>
+              <a:t> </a:t>
+            </a:r>
+            <a:r>
+              <a:rPr lang="en-US" sz="1800" b="1" dirty="0" err="1">
+                <a:solidFill>
+                  <a:schemeClr val="tx1"/>
+                </a:solidFill>
+              </a:rPr>
+              <a:t>lên</a:t>
+            </a:r>
+            <a:r>
+              <a:rPr lang="en-US" sz="1800" b="1" dirty="0">
+                <a:solidFill>
+                  <a:schemeClr val="tx1"/>
+                </a:solidFill>
+              </a:rPr>
+              <a:t> cloud</a:t>
+            </a:r>
+          </a:p>
+          <a:p>
+            <a:endParaRPr lang="en-US" sz="1800" b="1" dirty="0">
+              <a:solidFill>
+                <a:schemeClr val="tx1"/>
+              </a:solidFill>
+            </a:endParaRPr>
+          </a:p>
+          <a:p>
+            <a:r>
+              <a:rPr lang="en-US" sz="1800" b="1" dirty="0" err="1">
+                <a:solidFill>
+                  <a:schemeClr val="tx1"/>
+                </a:solidFill>
+              </a:rPr>
+              <a:t>Bước</a:t>
+            </a:r>
+            <a:r>
+              <a:rPr lang="en-US" sz="1800" b="1" dirty="0">
+                <a:solidFill>
+                  <a:schemeClr val="tx1"/>
+                </a:solidFill>
+              </a:rPr>
+              <a:t> 1</a:t>
+            </a:r>
+            <a:r>
+              <a:rPr lang="en-US" sz="1800" dirty="0">
+                <a:solidFill>
+                  <a:schemeClr val="tx1"/>
+                </a:solidFill>
+              </a:rPr>
+              <a:t>:  </a:t>
+            </a:r>
+            <a:r>
+              <a:rPr lang="en-US" sz="1800" dirty="0" err="1">
+                <a:solidFill>
+                  <a:schemeClr val="tx1"/>
+                </a:solidFill>
+              </a:rPr>
+              <a:t>Thiết</a:t>
+            </a:r>
+            <a:r>
+              <a:rPr lang="en-US" sz="1800" dirty="0">
+                <a:solidFill>
+                  <a:schemeClr val="tx1"/>
+                </a:solidFill>
+              </a:rPr>
+              <a:t> </a:t>
+            </a:r>
+            <a:r>
+              <a:rPr lang="en-US" sz="1800" dirty="0" err="1">
+                <a:solidFill>
+                  <a:schemeClr val="tx1"/>
+                </a:solidFill>
+              </a:rPr>
+              <a:t>lập</a:t>
+            </a:r>
+            <a:r>
+              <a:rPr lang="en-US" sz="1800" dirty="0">
+                <a:solidFill>
+                  <a:schemeClr val="tx1"/>
+                </a:solidFill>
+              </a:rPr>
+              <a:t> </a:t>
+            </a:r>
+            <a:r>
+              <a:rPr lang="en-US" sz="1800" dirty="0" err="1">
+                <a:solidFill>
+                  <a:schemeClr val="tx1"/>
+                </a:solidFill>
+              </a:rPr>
+              <a:t>kết</a:t>
+            </a:r>
+            <a:r>
+              <a:rPr lang="en-US" sz="1800" dirty="0">
+                <a:solidFill>
+                  <a:schemeClr val="tx1"/>
+                </a:solidFill>
+              </a:rPr>
+              <a:t> </a:t>
+            </a:r>
+            <a:r>
+              <a:rPr lang="en-US" sz="1800" dirty="0" err="1">
+                <a:solidFill>
+                  <a:schemeClr val="tx1"/>
+                </a:solidFill>
+              </a:rPr>
+              <a:t>nối</a:t>
+            </a:r>
+            <a:r>
+              <a:rPr lang="en-US" sz="1800" dirty="0">
+                <a:solidFill>
+                  <a:schemeClr val="tx1"/>
+                </a:solidFill>
+              </a:rPr>
+              <a:t> Wi-Fi </a:t>
+            </a:r>
+            <a:r>
+              <a:rPr lang="en-US" sz="1800" dirty="0" err="1">
+                <a:solidFill>
+                  <a:schemeClr val="tx1"/>
+                </a:solidFill>
+              </a:rPr>
+              <a:t>giữa</a:t>
+            </a:r>
+            <a:r>
+              <a:rPr lang="en-US" sz="1800" dirty="0">
+                <a:solidFill>
+                  <a:schemeClr val="tx1"/>
+                </a:solidFill>
+              </a:rPr>
+              <a:t> </a:t>
+            </a:r>
+            <a:r>
+              <a:rPr lang="en-US" sz="1800" dirty="0" err="1">
+                <a:solidFill>
+                  <a:schemeClr val="tx1"/>
+                </a:solidFill>
+              </a:rPr>
+              <a:t>thiết</a:t>
+            </a:r>
+            <a:r>
+              <a:rPr lang="en-US" sz="1800" dirty="0">
+                <a:solidFill>
+                  <a:schemeClr val="tx1"/>
+                </a:solidFill>
+              </a:rPr>
+              <a:t> </a:t>
+            </a:r>
+            <a:r>
+              <a:rPr lang="en-US" sz="1800" dirty="0" err="1">
+                <a:solidFill>
+                  <a:schemeClr val="tx1"/>
+                </a:solidFill>
+              </a:rPr>
+              <a:t>bị</a:t>
+            </a:r>
+            <a:r>
+              <a:rPr lang="en-US" sz="1800" dirty="0">
+                <a:solidFill>
+                  <a:schemeClr val="tx1"/>
+                </a:solidFill>
+              </a:rPr>
+              <a:t> </a:t>
+            </a:r>
+            <a:r>
+              <a:rPr lang="en-US" sz="1800" dirty="0" err="1">
+                <a:solidFill>
+                  <a:schemeClr val="tx1"/>
+                </a:solidFill>
+              </a:rPr>
+              <a:t>và</a:t>
+            </a:r>
+            <a:r>
+              <a:rPr lang="en-US" sz="1800" dirty="0">
+                <a:solidFill>
+                  <a:schemeClr val="tx1"/>
+                </a:solidFill>
+              </a:rPr>
+              <a:t>  Internet</a:t>
+            </a:r>
+          </a:p>
+          <a:p>
+            <a:r>
+              <a:rPr lang="en-US" sz="1800" b="1" dirty="0" err="1">
+                <a:solidFill>
+                  <a:schemeClr val="tx1"/>
+                </a:solidFill>
+              </a:rPr>
+              <a:t>Bước</a:t>
+            </a:r>
+            <a:r>
+              <a:rPr lang="en-US" sz="1800" b="1" dirty="0">
+                <a:solidFill>
+                  <a:schemeClr val="tx1"/>
+                </a:solidFill>
+              </a:rPr>
+              <a:t> 2</a:t>
+            </a:r>
+            <a:r>
+              <a:rPr lang="en-US" sz="1800" dirty="0">
+                <a:solidFill>
+                  <a:schemeClr val="tx1"/>
+                </a:solidFill>
+              </a:rPr>
+              <a:t>:  Liên </a:t>
+            </a:r>
+            <a:r>
+              <a:rPr lang="en-US" sz="1800" dirty="0" err="1">
+                <a:solidFill>
+                  <a:schemeClr val="tx1"/>
+                </a:solidFill>
+              </a:rPr>
+              <a:t>kết</a:t>
+            </a:r>
+            <a:r>
+              <a:rPr lang="en-US" sz="1800" dirty="0">
+                <a:solidFill>
+                  <a:schemeClr val="tx1"/>
+                </a:solidFill>
+              </a:rPr>
+              <a:t> </a:t>
+            </a:r>
+            <a:r>
+              <a:rPr lang="en-US" sz="1800" dirty="0" err="1">
+                <a:solidFill>
+                  <a:schemeClr val="tx1"/>
+                </a:solidFill>
+              </a:rPr>
+              <a:t>thiết</a:t>
+            </a:r>
+            <a:r>
+              <a:rPr lang="en-US" sz="1800" dirty="0">
+                <a:solidFill>
+                  <a:schemeClr val="tx1"/>
+                </a:solidFill>
+              </a:rPr>
+              <a:t> </a:t>
+            </a:r>
+            <a:r>
+              <a:rPr lang="en-US" sz="1800" dirty="0" err="1">
+                <a:solidFill>
+                  <a:schemeClr val="tx1"/>
+                </a:solidFill>
+              </a:rPr>
+              <a:t>bị</a:t>
+            </a:r>
+            <a:r>
+              <a:rPr lang="en-US" sz="1800" dirty="0">
+                <a:solidFill>
+                  <a:schemeClr val="tx1"/>
+                </a:solidFill>
+              </a:rPr>
+              <a:t> </a:t>
+            </a:r>
+            <a:r>
+              <a:rPr lang="en-US" sz="1800" dirty="0" err="1">
+                <a:solidFill>
+                  <a:schemeClr val="tx1"/>
+                </a:solidFill>
+              </a:rPr>
+              <a:t>với</a:t>
+            </a:r>
+            <a:r>
+              <a:rPr lang="en-US" sz="1800" dirty="0">
+                <a:solidFill>
+                  <a:schemeClr val="tx1"/>
+                </a:solidFill>
+              </a:rPr>
+              <a:t> </a:t>
+            </a:r>
+            <a:r>
+              <a:rPr lang="en-US" sz="1800" dirty="0">
+                <a:solidFill>
+                  <a:schemeClr val="tx1"/>
+                </a:solidFill>
+                <a:hlinkClick r:id="rId3"/>
+              </a:rPr>
+              <a:t>https://telua.co/aiot</a:t>
+            </a:r>
+            <a:r>
+              <a:rPr lang="en-US" sz="1800" dirty="0">
+                <a:solidFill>
+                  <a:schemeClr val="tx1"/>
+                </a:solidFill>
+              </a:rPr>
+              <a:t> </a:t>
+            </a:r>
+          </a:p>
+        </p:txBody>
+      </p:sp>
+    </p:spTree>
+    <p:extLst>
+      <p:ext uri="{BB962C8B-B14F-4D97-AF65-F5344CB8AC3E}">
+        <p14:creationId xmlns:p14="http://schemas.microsoft.com/office/powerpoint/2010/main" val="3762266305"/>
+      </p:ext>
+    </p:extLst>
+  </p:cSld>
+  <p:clrMapOvr>
+    <a:masterClrMapping/>
+  </p:clrMapOvr>
+</p:sld>
+</file>
+
+<file path=ppt/slides/slide5.xml><?xml version="1.0" encoding="utf-8"?>
+<p:sld xmlns:a="http://schemas.openxmlformats.org/drawingml/2006/main" xmlns:r="http://schemas.openxmlformats.org/officeDocument/2006/relationships" xmlns:p="http://schemas.openxmlformats.org/presentationml/2006/main">
+  <p:cSld>
+    <p:spTree>
+      <p:nvGrpSpPr>
+        <p:cNvPr id="1" name=""/>
+        <p:cNvGrpSpPr/>
+        <p:nvPr/>
+      </p:nvGrpSpPr>
+      <p:grpSpPr>
+        <a:xfrm>
+          <a:off x="0" y="0"/>
+          <a:ext cx="0" cy="0"/>
+          <a:chOff x="0" y="0"/>
+          <a:chExt cx="0" cy="0"/>
+        </a:xfrm>
+      </p:grpSpPr>
+      <p:sp>
+        <p:nvSpPr>
+          <p:cNvPr id="7" name="Title 1">
+            <a:extLst>
+              <a:ext uri="{FF2B5EF4-FFF2-40B4-BE49-F238E27FC236}">
+                <a16:creationId xmlns:a16="http://schemas.microsoft.com/office/drawing/2014/main" id="{359B72DA-87FA-551D-4BC8-70A0C34B72AF}"/>
+              </a:ext>
+            </a:extLst>
+          </p:cNvPr>
+          <p:cNvSpPr txBox="1">
+            <a:spLocks/>
+          </p:cNvSpPr>
+          <p:nvPr/>
+        </p:nvSpPr>
+        <p:spPr>
+          <a:xfrm>
+            <a:off x="9323698" y="6242415"/>
+            <a:ext cx="2860005" cy="386985"/>
+          </a:xfrm>
+          <a:prstGeom prst="rect">
+            <a:avLst/>
+          </a:prstGeom>
+        </p:spPr>
+        <p:txBody>
+          <a:bodyPr vert="horz" lIns="91440" tIns="45720" rIns="91440" bIns="45720" rtlCol="0" anchor="b">
+            <a:noAutofit/>
+          </a:bodyPr>
+          <a:lstStyle>
+            <a:lvl1pPr algn="r" defTabSz="457200" rtl="0" eaLnBrk="1" latinLnBrk="0" hangingPunct="1">
+              <a:spcBef>
+                <a:spcPct val="0"/>
+              </a:spcBef>
+              <a:buNone/>
+              <a:defRPr sz="5400" kern="1200">
+                <a:solidFill>
+                  <a:schemeClr val="accent1"/>
+                </a:solidFill>
+                <a:latin typeface="+mj-lt"/>
+                <a:ea typeface="+mj-ea"/>
+                <a:cs typeface="+mj-cs"/>
+              </a:defRPr>
+            </a:lvl1pPr>
+            <a:lvl2pPr eaLnBrk="1" hangingPunct="1">
+              <a:defRPr>
+                <a:solidFill>
+                  <a:schemeClr val="tx2"/>
+                </a:solidFill>
+              </a:defRPr>
+            </a:lvl2pPr>
+            <a:lvl3pPr eaLnBrk="1" hangingPunct="1">
+              <a:defRPr>
+                <a:solidFill>
+                  <a:schemeClr val="tx2"/>
+                </a:solidFill>
+              </a:defRPr>
+            </a:lvl3pPr>
+            <a:lvl4pPr eaLnBrk="1" hangingPunct="1">
+              <a:defRPr>
+                <a:solidFill>
+                  <a:schemeClr val="tx2"/>
+                </a:solidFill>
+              </a:defRPr>
+            </a:lvl4pPr>
+            <a:lvl5pPr eaLnBrk="1" hangingPunct="1">
+              <a:defRPr>
+                <a:solidFill>
+                  <a:schemeClr val="tx2"/>
+                </a:solidFill>
+              </a:defRPr>
+            </a:lvl5pPr>
+            <a:lvl6pPr eaLnBrk="1" hangingPunct="1">
+              <a:defRPr>
+                <a:solidFill>
+                  <a:schemeClr val="tx2"/>
+                </a:solidFill>
+              </a:defRPr>
+            </a:lvl6pPr>
+            <a:lvl7pPr eaLnBrk="1" hangingPunct="1">
+              <a:defRPr>
+                <a:solidFill>
+                  <a:schemeClr val="tx2"/>
+                </a:solidFill>
+              </a:defRPr>
+            </a:lvl7pPr>
+            <a:lvl8pPr eaLnBrk="1" hangingPunct="1">
+              <a:defRPr>
+                <a:solidFill>
+                  <a:schemeClr val="tx2"/>
+                </a:solidFill>
+              </a:defRPr>
+            </a:lvl8pPr>
+            <a:lvl9pPr eaLnBrk="1" hangingPunct="1">
+              <a:defRPr>
+                <a:solidFill>
+                  <a:schemeClr val="tx2"/>
+                </a:solidFill>
+              </a:defRPr>
+            </a:lvl9pPr>
+          </a:lstStyle>
+          <a:p>
+            <a:r>
+              <a:rPr lang="en-US" sz="1200" b="1" dirty="0">
+                <a:solidFill>
+                  <a:schemeClr val="tx2">
+                    <a:lumMod val="75000"/>
+                  </a:schemeClr>
+                </a:solidFill>
+                <a:hlinkClick r:id="rId2">
+                  <a:extLst>
+                    <a:ext uri="{A12FA001-AC4F-418D-AE19-62706E023703}">
+                      <ahyp:hlinkClr xmlns:ahyp="http://schemas.microsoft.com/office/drawing/2018/hyperlinkcolor" val="tx"/>
+                    </a:ext>
+                  </a:extLst>
+                </a:hlinkClick>
+              </a:rPr>
+              <a:t>https://telua.co</a:t>
+            </a:r>
+            <a:r>
+              <a:rPr lang="en-US" sz="1200" b="1" dirty="0">
+                <a:solidFill>
+                  <a:schemeClr val="tx2">
+                    <a:lumMod val="75000"/>
+                  </a:schemeClr>
+                </a:solidFill>
+              </a:rPr>
+              <a:t> - </a:t>
+            </a:r>
+            <a:r>
+              <a:rPr lang="en-US" sz="1200" b="1" dirty="0" err="1">
+                <a:solidFill>
+                  <a:schemeClr val="tx2">
+                    <a:lumMod val="75000"/>
+                  </a:schemeClr>
+                </a:solidFill>
+              </a:rPr>
+              <a:t>Telua</a:t>
+            </a:r>
+            <a:r>
+              <a:rPr lang="en-US" sz="1200" b="1" dirty="0">
+                <a:solidFill>
+                  <a:schemeClr val="tx2">
+                    <a:lumMod val="75000"/>
+                  </a:schemeClr>
+                </a:solidFill>
+              </a:rPr>
+              <a:t> IoT platform</a:t>
+            </a:r>
+          </a:p>
+        </p:txBody>
+      </p:sp>
+      <p:sp>
+        <p:nvSpPr>
+          <p:cNvPr id="3" name="Title 2">
+            <a:extLst>
+              <a:ext uri="{FF2B5EF4-FFF2-40B4-BE49-F238E27FC236}">
+                <a16:creationId xmlns:a16="http://schemas.microsoft.com/office/drawing/2014/main" id="{4D0C11FB-F0F1-86AC-9FF1-475D9048F2D5}"/>
+              </a:ext>
+            </a:extLst>
+          </p:cNvPr>
+          <p:cNvSpPr>
+            <a:spLocks noGrp="1"/>
+          </p:cNvSpPr>
+          <p:nvPr>
+            <p:ph type="title"/>
+          </p:nvPr>
+        </p:nvSpPr>
+        <p:spPr>
+          <a:xfrm>
+            <a:off x="727030" y="228600"/>
+            <a:ext cx="8596668" cy="849573"/>
+          </a:xfrm>
+        </p:spPr>
+        <p:txBody>
+          <a:bodyPr/>
+          <a:lstStyle/>
+          <a:p>
+            <a:r>
+              <a:rPr lang="en-US" dirty="0" err="1"/>
               <a:t>Thiết</a:t>
             </a:r>
             <a:r>
@@ -12181,8 +13577,8 @@
         </p:nvSpPr>
         <p:spPr>
           <a:xfrm>
-            <a:off x="422890" y="1025959"/>
-            <a:ext cx="5063510" cy="2031325"/>
+            <a:off x="422890" y="1389375"/>
+            <a:ext cx="5063510" cy="1754326"/>
           </a:xfrm>
           <a:prstGeom prst="rect">
             <a:avLst/>
@@ -12197,7 +13593,7 @@
           <a:p>
             <a:r>
               <a:rPr lang="en-US" dirty="0"/>
-              <a:t>1 </a:t>
+              <a:t>2 </a:t>
             </a:r>
             <a:r>
               <a:rPr lang="en-US" dirty="0" err="1"/>
@@ -12341,49 +13737,23 @@
             </a:r>
             <a:r>
               <a:rPr lang="en-US" dirty="0"/>
-              <a:t>  </a:t>
-            </a:r>
-            <a:r>
-              <a:rPr lang="en-US" dirty="0" err="1"/>
-              <a:t>truy</a:t>
-            </a:r>
-            <a:r>
-              <a:rPr lang="en-US" dirty="0"/>
-              <a:t> </a:t>
-            </a:r>
-            <a:r>
-              <a:rPr lang="en-US" dirty="0" err="1"/>
-              <a:t>cập</a:t>
-            </a:r>
-            <a:r>
-              <a:rPr lang="en-US" dirty="0"/>
-              <a:t> </a:t>
-            </a:r>
-            <a:r>
-              <a:rPr lang="en-US" dirty="0" err="1"/>
-              <a:t>địa</a:t>
-            </a:r>
-            <a:r>
-              <a:rPr lang="en-US" dirty="0"/>
-              <a:t> </a:t>
-            </a:r>
-            <a:r>
-              <a:rPr lang="en-US" dirty="0" err="1"/>
-              <a:t>chỉ</a:t>
-            </a:r>
-            <a:r>
-              <a:rPr lang="en-US" dirty="0"/>
-              <a:t> </a:t>
-            </a:r>
-            <a:r>
-              <a:rPr lang="en-US" dirty="0">
-                <a:hlinkClick r:id="rId3"/>
-              </a:rPr>
-              <a:t>http://192.168.0.1</a:t>
-            </a:r>
-            <a:r>
-              <a:rPr lang="en-US" dirty="0"/>
-              <a:t>  </a:t>
+              <a:t>   </a:t>
+            </a:r>
+            <a:r>
+              <a:rPr lang="en-US" dirty="0" err="1"/>
+              <a:t>cần</a:t>
+            </a:r>
+            <a:r>
+              <a:rPr lang="en-US" dirty="0"/>
+              <a:t> </a:t>
+            </a:r>
+            <a:r>
+              <a:rPr lang="en-US" dirty="0" err="1"/>
+              <a:t>quét</a:t>
+            </a:r>
+            <a:r>
+              <a:rPr lang="en-US" dirty="0"/>
+              <a:t> Wi-Fi </a:t>
             </a:r>
             <a:r>
               <a:rPr lang="en-US" dirty="0" err="1"/>
@@ -12395,28 +13765,25 @@
             </a:r>
             <a:r>
               <a:rPr lang="en-US" dirty="0" err="1"/>
-              <a:t>nhập</a:t>
-            </a:r>
-            <a:r>
-              <a:rPr lang="en-US" dirty="0"/>
-              <a:t> </a:t>
-            </a:r>
-            <a:r>
-              <a:rPr lang="en-US" dirty="0" err="1"/>
-              <a:t>thông</a:t>
-            </a:r>
-            <a:r>
-              <a:rPr lang="en-US" dirty="0"/>
-              <a:t> tin </a:t>
-            </a:r>
-            <a:r>
-              <a:rPr lang="en-US" dirty="0" err="1"/>
-              <a:t>của</a:t>
-            </a:r>
-            <a:r>
-              <a:rPr lang="en-US" dirty="0"/>
-              <a:t> Wi-Fi</a:t>
-            </a:r>
+              <a:t>tìm</a:t>
+            </a:r>
+            <a:r>
+              <a:rPr lang="en-US" dirty="0"/>
+              <a:t> </a:t>
+            </a:r>
+            <a:r>
+              <a:rPr lang="en-US" dirty="0" err="1"/>
+              <a:t>thiết</a:t>
+            </a:r>
+            <a:r>
+              <a:rPr lang="en-US" dirty="0"/>
+              <a:t> </a:t>
+            </a:r>
+            <a:r>
+              <a:rPr lang="en-US" dirty="0" err="1"/>
+              <a:t>bị</a:t>
+            </a:r>
+            <a:endParaRPr lang="en-US" dirty="0"/>
           </a:p>
           <a:p>
             <a:endParaRPr lang="en-US" dirty="0"/>
@@ -12529,7 +13896,7 @@
         </p:nvSpPr>
         <p:spPr>
           <a:xfrm>
-            <a:off x="346689" y="3118829"/>
+            <a:off x="422890" y="780006"/>
             <a:ext cx="5215911" cy="369332"/>
           </a:xfrm>
           <a:prstGeom prst="rect">
@@ -12545,7 +13912,7 @@
           <a:p>
             <a:r>
               <a:rPr lang="en-US" dirty="0"/>
-              <a:t>2  </a:t>
+              <a:t>1  </a:t>
             </a:r>
             <a:r>
               <a:rPr lang="en-US" dirty="0" err="1"/>
@@ -12602,7 +13969,7 @@
         <p:spPr>
           <a:xfrm>
             <a:off x="422890" y="3488161"/>
-            <a:ext cx="5550428" cy="1754326"/>
+            <a:ext cx="5550428" cy="2031325"/>
           </a:xfrm>
           <a:prstGeom prst="rect">
             <a:avLst/>
@@ -12621,35 +13988,29 @@
             </a:r>
             <a:r>
               <a:rPr lang="en-US" dirty="0" err="1"/>
-              <a:t>Mở</a:t>
-            </a:r>
-            <a:r>
-              <a:rPr lang="en-US" dirty="0"/>
-              <a:t> </a:t>
-            </a:r>
-            <a:r>
-              <a:rPr lang="en-US" dirty="0" err="1"/>
-              <a:t>ứng</a:t>
-            </a:r>
-            <a:r>
-              <a:rPr lang="en-US" dirty="0"/>
-              <a:t> </a:t>
-            </a:r>
-            <a:r>
-              <a:rPr lang="en-US" dirty="0" err="1"/>
-              <a:t>dụng</a:t>
-            </a:r>
-            <a:r>
-              <a:rPr lang="en-US" dirty="0"/>
-              <a:t> </a:t>
-            </a:r>
-            <a:r>
-              <a:rPr lang="en-US" dirty="0" err="1"/>
-              <a:t>EspTouch</a:t>
-            </a:r>
-            <a:r>
-              <a:rPr lang="en-US" dirty="0"/>
-              <a:t> </a:t>
+              <a:t>Truy</a:t>
+            </a:r>
+            <a:r>
+              <a:rPr lang="en-US" dirty="0"/>
+              <a:t> </a:t>
+            </a:r>
+            <a:r>
+              <a:rPr lang="en-US" dirty="0" err="1"/>
+              <a:t>cập</a:t>
+            </a:r>
+            <a:r>
+              <a:rPr lang="en-US" dirty="0"/>
+              <a:t> </a:t>
+            </a:r>
+            <a:r>
+              <a:rPr lang="en-US" dirty="0">
+                <a:hlinkClick r:id="rId3"/>
+              </a:rPr>
+              <a:t>http://192.168.0.1</a:t>
+            </a:r>
+            <a:r>
+              <a:rPr lang="en-US" dirty="0"/>
+              <a:t>  </a:t>
             </a:r>
             <a:r>
               <a:rPr lang="en-US" dirty="0" err="1"/>
@@ -12669,19 +14030,11 @@
             </a:r>
             <a:r>
               <a:rPr lang="en-US" dirty="0" err="1"/>
-              <a:t>mật</a:t>
-            </a:r>
-            <a:r>
-              <a:rPr lang="en-US" dirty="0"/>
-              <a:t> </a:t>
-            </a:r>
-            <a:r>
-              <a:rPr lang="en-US" dirty="0" err="1"/>
-              <a:t>khẩu</a:t>
-            </a:r>
-            <a:r>
-              <a:rPr lang="en-US" dirty="0"/>
-              <a:t> </a:t>
+              <a:t>thông</a:t>
+            </a:r>
+            <a:r>
+              <a:rPr lang="en-US" dirty="0"/>
+              <a:t> tin </a:t>
             </a:r>
             <a:r>
               <a:rPr lang="en-US" dirty="0" err="1"/>
@@ -12689,7 +14042,31 @@
             </a:r>
             <a:r>
               <a:rPr lang="en-US" dirty="0"/>
-              <a:t> Wi-Fi</a:t>
+              <a:t> Wi-Fi </a:t>
+            </a:r>
+            <a:r>
+              <a:rPr lang="en-US" dirty="0" err="1"/>
+              <a:t>sẽ</a:t>
+            </a:r>
+            <a:r>
+              <a:rPr lang="en-US" dirty="0"/>
+              <a:t> </a:t>
+            </a:r>
+            <a:r>
+              <a:rPr lang="en-US" dirty="0" err="1"/>
+              <a:t>kết</a:t>
+            </a:r>
+            <a:r>
+              <a:rPr lang="en-US" dirty="0"/>
+              <a:t> </a:t>
+            </a:r>
+            <a:r>
+              <a:rPr lang="en-US" dirty="0" err="1"/>
+              <a:t>nối</a:t>
+            </a:r>
+            <a:r>
+              <a:rPr lang="en-US" dirty="0"/>
+              <a:t> </a:t>
             </a:r>
           </a:p>
           <a:p>
@@ -12987,8 +14364,8 @@
         </p:nvSpPr>
         <p:spPr>
           <a:xfrm>
-            <a:off x="251136" y="5524121"/>
-            <a:ext cx="5893935" cy="646331"/>
+            <a:off x="422890" y="5694054"/>
+            <a:ext cx="5387665" cy="646331"/>
           </a:xfrm>
           <a:prstGeom prst="rect">
             <a:avLst/>
@@ -13019,7 +14396,15 @@
             </a:r>
             <a:r>
               <a:rPr lang="en-US" dirty="0"/>
-              <a:t> “CONFIRM”  </a:t>
+              <a:t> “</a:t>
+            </a:r>
+            <a:r>
+              <a:rPr lang="en-US" dirty="0" err="1"/>
+              <a:t>Xac</a:t>
+            </a:r>
+            <a:r>
+              <a:rPr lang="en-US" dirty="0"/>
+              <a:t> Nhan”  </a:t>
             </a:r>
             <a:r>
               <a:rPr lang="en-US" dirty="0" err="1"/>
@@ -13106,10 +14491,10 @@
       </p:sp>
       <p:pic>
         <p:nvPicPr>
-          <p:cNvPr id="6" name="Picture 5">
+          <p:cNvPr id="8" name="Picture 7" descr="A screenshot of a phone&#10;&#10;Description automatically generated with medium confidence">
             <a:extLst>
               <a:ext uri="{FF2B5EF4-FFF2-40B4-BE49-F238E27FC236}">
-                <a16:creationId xmlns:a16="http://schemas.microsoft.com/office/drawing/2014/main" id="{47056FC6-9F6D-C1A4-8584-A38CC7EECFFD}"/>
+                <a16:creationId xmlns:a16="http://schemas.microsoft.com/office/drawing/2014/main" id="{E67789BB-630F-1535-0692-7A69BF6B90FD}"/>
               </a:ext>
             </a:extLst>
           </p:cNvPr>
@@ -13119,15 +14504,57 @@
           <p:nvPr/>
         </p:nvPicPr>
         <p:blipFill>
-          <a:blip r:embed="rId4"/>
+          <a:blip r:embed="rId4">
+            <a:extLst>
+              <a:ext uri="{28A0092B-C50C-407E-A947-70E740481C1C}">
+                <a14:useLocalDpi xmlns:a14="http://schemas.microsoft.com/office/drawing/2010/main" val="0"/>
+              </a:ext>
+            </a:extLst>
+          </a:blip>
           <a:stretch>
             <a:fillRect/>
           </a:stretch>
         </p:blipFill>
         <p:spPr>
           <a:xfrm>
-            <a:off x="7028984" y="1227859"/>
-            <a:ext cx="2598854" cy="4624598"/>
+            <a:off x="6362047" y="1078173"/>
+            <a:ext cx="2477944" cy="4409441"/>
+          </a:xfrm>
+          <a:prstGeom prst="rect">
+            <a:avLst/>
+          </a:prstGeom>
+        </p:spPr>
+      </p:pic>
+      <p:pic>
+        <p:nvPicPr>
+          <p:cNvPr id="12" name="Picture 11" descr="A screenshot of a computer&#10;&#10;Description automatically generated with medium confidence">
+            <a:extLst>
+              <a:ext uri="{FF2B5EF4-FFF2-40B4-BE49-F238E27FC236}">
+                <a16:creationId xmlns:a16="http://schemas.microsoft.com/office/drawing/2014/main" id="{E042E878-E972-12B7-32DC-5B3C8C523E60}"/>
+              </a:ext>
+            </a:extLst>
+          </p:cNvPr>
+          <p:cNvPicPr>
+            <a:picLocks noChangeAspect="1"/>
+          </p:cNvPicPr>
+          <p:nvPr/>
+        </p:nvPicPr>
+        <p:blipFill>
+          <a:blip r:embed="rId5">
+            <a:extLst>
+              <a:ext uri="{28A0092B-C50C-407E-A947-70E740481C1C}">
+                <a14:useLocalDpi xmlns:a14="http://schemas.microsoft.com/office/drawing/2010/main" val="0"/>
+              </a:ext>
+            </a:extLst>
+          </a:blip>
+          <a:stretch>
+            <a:fillRect/>
+          </a:stretch>
+        </p:blipFill>
+        <p:spPr>
+          <a:xfrm>
+            <a:off x="9228721" y="1087033"/>
+            <a:ext cx="2407863" cy="4284733"/>
           </a:xfrm>
           <a:prstGeom prst="rect">
             <a:avLst/>
@@ -13147,7 +14574,7 @@
 </p:sld>
 </file>
 
-<file path=ppt/slides/slide5.xml><?xml version="1.0" encoding="utf-8"?>
+<file path=ppt/slides/slide6.xml><?xml version="1.0" encoding="utf-8"?>
 <p:sld xmlns:a="http://schemas.openxmlformats.org/drawingml/2006/main" xmlns:r="http://schemas.openxmlformats.org/officeDocument/2006/relationships" xmlns:p="http://schemas.openxmlformats.org/presentationml/2006/main">
   <p:cSld>
     <p:spTree>
@@ -13731,7 +15158,7 @@
 </p:sld>
 </file>
 
-<file path=ppt/slides/slide6.xml><?xml version="1.0" encoding="utf-8"?>
+<file path=ppt/slides/slide7.xml><?xml version="1.0" encoding="utf-8"?>
 <p:sld xmlns:a="http://schemas.openxmlformats.org/drawingml/2006/main" xmlns:r="http://schemas.openxmlformats.org/officeDocument/2006/relationships" xmlns:p="http://schemas.openxmlformats.org/presentationml/2006/main">
   <p:cSld>
     <p:spTree>
@@ -14325,393 +15752,6 @@
 </p:sld>
 </file>
 
-<file path=ppt/slides/slide7.xml><?xml version="1.0" encoding="utf-8"?>
-<p:sld xmlns:a="http://schemas.openxmlformats.org/drawingml/2006/main" xmlns:r="http://schemas.openxmlformats.org/officeDocument/2006/relationships" xmlns:p="http://schemas.openxmlformats.org/presentationml/2006/main">
-  <p:cSld>
-    <p:spTree>
-      <p:nvGrpSpPr>
-        <p:cNvPr id="1" name=""/>
-        <p:cNvGrpSpPr/>
-        <p:nvPr/>
-      </p:nvGrpSpPr>
-      <p:grpSpPr>
-        <a:xfrm>
-          <a:off x="0" y="0"/>
-          <a:ext cx="0" cy="0"/>
-          <a:chOff x="0" y="0"/>
-          <a:chExt cx="0" cy="0"/>
-        </a:xfrm>
-      </p:grpSpPr>
-      <p:sp>
-        <p:nvSpPr>
-          <p:cNvPr id="7" name="Title 1">
-            <a:extLst>
-              <a:ext uri="{FF2B5EF4-FFF2-40B4-BE49-F238E27FC236}">
-                <a16:creationId xmlns:a16="http://schemas.microsoft.com/office/drawing/2014/main" id="{359B72DA-87FA-551D-4BC8-70A0C34B72AF}"/>
-              </a:ext>
-            </a:extLst>
-          </p:cNvPr>
-          <p:cNvSpPr txBox="1">
-            <a:spLocks/>
-          </p:cNvSpPr>
-          <p:nvPr/>
-        </p:nvSpPr>
-        <p:spPr>
-          <a:xfrm>
-            <a:off x="9323698" y="6242415"/>
-            <a:ext cx="2860005" cy="386985"/>
-          </a:xfrm>
-          <a:prstGeom prst="rect">
-            <a:avLst/>
-          </a:prstGeom>
-        </p:spPr>
-        <p:txBody>
-          <a:bodyPr vert="horz" lIns="91440" tIns="45720" rIns="91440" bIns="45720" rtlCol="0" anchor="b">
-            <a:noAutofit/>
-          </a:bodyPr>
-          <a:lstStyle>
-            <a:lvl1pPr algn="r" defTabSz="457200" rtl="0" eaLnBrk="1" latinLnBrk="0" hangingPunct="1">
-              <a:spcBef>
-                <a:spcPct val="0"/>
-              </a:spcBef>
-              <a:buNone/>
-              <a:defRPr sz="5400" kern="1200">
-                <a:solidFill>
-                  <a:schemeClr val="accent1"/>
-                </a:solidFill>
-                <a:latin typeface="+mj-lt"/>
-                <a:ea typeface="+mj-ea"/>
-                <a:cs typeface="+mj-cs"/>
-              </a:defRPr>
-            </a:lvl1pPr>
-            <a:lvl2pPr eaLnBrk="1" hangingPunct="1">
-              <a:defRPr>
-                <a:solidFill>
-                  <a:schemeClr val="tx2"/>
-                </a:solidFill>
-              </a:defRPr>
-            </a:lvl2pPr>
-            <a:lvl3pPr eaLnBrk="1" hangingPunct="1">
-              <a:defRPr>
-                <a:solidFill>
-                  <a:schemeClr val="tx2"/>
-                </a:solidFill>
-              </a:defRPr>
-            </a:lvl3pPr>
-            <a:lvl4pPr eaLnBrk="1" hangingPunct="1">
-              <a:defRPr>
-                <a:solidFill>
-                  <a:schemeClr val="tx2"/>
-                </a:solidFill>
-              </a:defRPr>
-            </a:lvl4pPr>
-            <a:lvl5pPr eaLnBrk="1" hangingPunct="1">
-              <a:defRPr>
-                <a:solidFill>
-                  <a:schemeClr val="tx2"/>
-                </a:solidFill>
-              </a:defRPr>
-            </a:lvl5pPr>
-            <a:lvl6pPr eaLnBrk="1" hangingPunct="1">
-              <a:defRPr>
-                <a:solidFill>
-                  <a:schemeClr val="tx2"/>
-                </a:solidFill>
-              </a:defRPr>
-            </a:lvl6pPr>
-            <a:lvl7pPr eaLnBrk="1" hangingPunct="1">
-              <a:defRPr>
-                <a:solidFill>
-                  <a:schemeClr val="tx2"/>
-                </a:solidFill>
-              </a:defRPr>
-            </a:lvl7pPr>
-            <a:lvl8pPr eaLnBrk="1" hangingPunct="1">
-              <a:defRPr>
-                <a:solidFill>
-                  <a:schemeClr val="tx2"/>
-                </a:solidFill>
-              </a:defRPr>
-            </a:lvl8pPr>
-            <a:lvl9pPr eaLnBrk="1" hangingPunct="1">
-              <a:defRPr>
-                <a:solidFill>
-                  <a:schemeClr val="tx2"/>
-                </a:solidFill>
-              </a:defRPr>
-            </a:lvl9pPr>
-          </a:lstStyle>
-          <a:p>
-            <a:r>
-              <a:rPr lang="en-US" sz="1200" b="1" dirty="0">
-                <a:solidFill>
-                  <a:schemeClr val="tx2">
-                    <a:lumMod val="75000"/>
-                  </a:schemeClr>
-                </a:solidFill>
-                <a:hlinkClick r:id="rId2">
-                  <a:extLst>
-                    <a:ext uri="{A12FA001-AC4F-418D-AE19-62706E023703}">
-                      <ahyp:hlinkClr xmlns:ahyp="http://schemas.microsoft.com/office/drawing/2018/hyperlinkcolor" val="tx"/>
-                    </a:ext>
-                  </a:extLst>
-                </a:hlinkClick>
-              </a:rPr>
-              <a:t>https://telua.co</a:t>
-            </a:r>
-            <a:r>
-              <a:rPr lang="en-US" sz="1200" b="1" dirty="0">
-                <a:solidFill>
-                  <a:schemeClr val="tx2">
-                    <a:lumMod val="75000"/>
-                  </a:schemeClr>
-                </a:solidFill>
-              </a:rPr>
-              <a:t> - </a:t>
-            </a:r>
-            <a:r>
-              <a:rPr lang="en-US" sz="1200" b="1" dirty="0" err="1">
-                <a:solidFill>
-                  <a:schemeClr val="tx2">
-                    <a:lumMod val="75000"/>
-                  </a:schemeClr>
-                </a:solidFill>
-              </a:rPr>
-              <a:t>Telua</a:t>
-            </a:r>
-            <a:r>
-              <a:rPr lang="en-US" sz="1200" b="1" dirty="0">
-                <a:solidFill>
-                  <a:schemeClr val="tx2">
-                    <a:lumMod val="75000"/>
-                  </a:schemeClr>
-                </a:solidFill>
-              </a:rPr>
-              <a:t> IoT platform</a:t>
-            </a:r>
-          </a:p>
-        </p:txBody>
-      </p:sp>
-      <p:sp>
-        <p:nvSpPr>
-          <p:cNvPr id="3" name="Title 2">
-            <a:extLst>
-              <a:ext uri="{FF2B5EF4-FFF2-40B4-BE49-F238E27FC236}">
-                <a16:creationId xmlns:a16="http://schemas.microsoft.com/office/drawing/2014/main" id="{4D0C11FB-F0F1-86AC-9FF1-475D9048F2D5}"/>
-              </a:ext>
-            </a:extLst>
-          </p:cNvPr>
-          <p:cNvSpPr>
-            <a:spLocks noGrp="1"/>
-          </p:cNvSpPr>
-          <p:nvPr>
-            <p:ph type="title"/>
-          </p:nvPr>
-        </p:nvSpPr>
-        <p:spPr>
-          <a:xfrm>
-            <a:off x="727030" y="228600"/>
-            <a:ext cx="8596668" cy="849573"/>
-          </a:xfrm>
-        </p:spPr>
-        <p:txBody>
-          <a:bodyPr/>
-          <a:lstStyle/>
-          <a:p>
-            <a:r>
-              <a:rPr lang="en-US" dirty="0" err="1"/>
-              <a:t>Kiểm</a:t>
-            </a:r>
-            <a:r>
-              <a:rPr lang="en-US" dirty="0"/>
-              <a:t> </a:t>
-            </a:r>
-            <a:r>
-              <a:rPr lang="en-US" dirty="0" err="1"/>
-              <a:t>tra</a:t>
-            </a:r>
-            <a:r>
-              <a:rPr lang="en-US" dirty="0"/>
-              <a:t> </a:t>
-            </a:r>
-            <a:r>
-              <a:rPr lang="en-US" dirty="0" err="1"/>
-              <a:t>thiết</a:t>
-            </a:r>
-            <a:r>
-              <a:rPr lang="en-US" dirty="0"/>
-              <a:t> </a:t>
-            </a:r>
-            <a:r>
-              <a:rPr lang="en-US" dirty="0" err="1"/>
-              <a:t>bị</a:t>
-            </a:r>
-            <a:r>
-              <a:rPr lang="en-US" dirty="0"/>
-              <a:t> </a:t>
-            </a:r>
-          </a:p>
-        </p:txBody>
-      </p:sp>
-      <p:sp>
-        <p:nvSpPr>
-          <p:cNvPr id="4" name="Title 4">
-            <a:extLst>
-              <a:ext uri="{FF2B5EF4-FFF2-40B4-BE49-F238E27FC236}">
-                <a16:creationId xmlns:a16="http://schemas.microsoft.com/office/drawing/2014/main" id="{FC12EDBD-AD68-F6CA-9967-1B3C127CAB2F}"/>
-              </a:ext>
-            </a:extLst>
-          </p:cNvPr>
-          <p:cNvSpPr txBox="1">
-            <a:spLocks/>
-          </p:cNvSpPr>
-          <p:nvPr/>
-        </p:nvSpPr>
-        <p:spPr>
-          <a:xfrm>
-            <a:off x="727030" y="1364776"/>
-            <a:ext cx="8596668" cy="2415654"/>
-          </a:xfrm>
-          <a:prstGeom prst="rect">
-            <a:avLst/>
-          </a:prstGeom>
-        </p:spPr>
-        <p:txBody>
-          <a:bodyPr vert="horz" lIns="91440" tIns="45720" rIns="91440" bIns="45720" rtlCol="0" anchor="t">
-            <a:noAutofit/>
-          </a:bodyPr>
-          <a:lstStyle>
-            <a:lvl1pPr algn="l" defTabSz="457200" rtl="0" eaLnBrk="1" latinLnBrk="0" hangingPunct="1">
-              <a:spcBef>
-                <a:spcPct val="0"/>
-              </a:spcBef>
-              <a:buNone/>
-              <a:defRPr sz="3600" kern="1200">
-                <a:solidFill>
-                  <a:schemeClr val="accent1"/>
-                </a:solidFill>
-                <a:latin typeface="+mj-lt"/>
-                <a:ea typeface="+mj-ea"/>
-                <a:cs typeface="+mj-cs"/>
-              </a:defRPr>
-            </a:lvl1pPr>
-            <a:lvl2pPr eaLnBrk="1" hangingPunct="1">
-              <a:defRPr>
-                <a:solidFill>
-                  <a:schemeClr val="tx2"/>
-                </a:solidFill>
-              </a:defRPr>
-            </a:lvl2pPr>
-            <a:lvl3pPr eaLnBrk="1" hangingPunct="1">
-              <a:defRPr>
-                <a:solidFill>
-                  <a:schemeClr val="tx2"/>
-                </a:solidFill>
-              </a:defRPr>
-            </a:lvl3pPr>
-            <a:lvl4pPr eaLnBrk="1" hangingPunct="1">
-              <a:defRPr>
-                <a:solidFill>
-                  <a:schemeClr val="tx2"/>
-                </a:solidFill>
-              </a:defRPr>
-            </a:lvl4pPr>
-            <a:lvl5pPr eaLnBrk="1" hangingPunct="1">
-              <a:defRPr>
-                <a:solidFill>
-                  <a:schemeClr val="tx2"/>
-                </a:solidFill>
-              </a:defRPr>
-            </a:lvl5pPr>
-            <a:lvl6pPr eaLnBrk="1" hangingPunct="1">
-              <a:defRPr>
-                <a:solidFill>
-                  <a:schemeClr val="tx2"/>
-                </a:solidFill>
-              </a:defRPr>
-            </a:lvl6pPr>
-            <a:lvl7pPr eaLnBrk="1" hangingPunct="1">
-              <a:defRPr>
-                <a:solidFill>
-                  <a:schemeClr val="tx2"/>
-                </a:solidFill>
-              </a:defRPr>
-            </a:lvl7pPr>
-            <a:lvl8pPr eaLnBrk="1" hangingPunct="1">
-              <a:defRPr>
-                <a:solidFill>
-                  <a:schemeClr val="tx2"/>
-                </a:solidFill>
-              </a:defRPr>
-            </a:lvl8pPr>
-            <a:lvl9pPr eaLnBrk="1" hangingPunct="1">
-              <a:defRPr>
-                <a:solidFill>
-                  <a:schemeClr val="tx2"/>
-                </a:solidFill>
-              </a:defRPr>
-            </a:lvl9pPr>
-          </a:lstStyle>
-          <a:p>
-            <a:r>
-              <a:rPr lang="en-US" sz="1800" b="1" dirty="0">
-                <a:solidFill>
-                  <a:schemeClr val="tx1"/>
-                </a:solidFill>
-              </a:rPr>
-              <a:t> </a:t>
-            </a:r>
-            <a:endParaRPr lang="en-US" sz="1800" dirty="0">
-              <a:solidFill>
-                <a:schemeClr val="tx1"/>
-              </a:solidFill>
-            </a:endParaRPr>
-          </a:p>
-        </p:txBody>
-      </p:sp>
-      <p:pic>
-        <p:nvPicPr>
-          <p:cNvPr id="8" name="Picture 7">
-            <a:extLst>
-              <a:ext uri="{FF2B5EF4-FFF2-40B4-BE49-F238E27FC236}">
-                <a16:creationId xmlns:a16="http://schemas.microsoft.com/office/drawing/2014/main" id="{8A0FB44F-BF68-7956-554B-441EBD935E56}"/>
-              </a:ext>
-            </a:extLst>
-          </p:cNvPr>
-          <p:cNvPicPr>
-            <a:picLocks noChangeAspect="1"/>
-          </p:cNvPicPr>
-          <p:nvPr/>
-        </p:nvPicPr>
-        <p:blipFill>
-          <a:blip r:embed="rId3"/>
-          <a:stretch>
-            <a:fillRect/>
-          </a:stretch>
-        </p:blipFill>
-        <p:spPr>
-          <a:xfrm>
-            <a:off x="727030" y="1442545"/>
-            <a:ext cx="9945026" cy="4195225"/>
-          </a:xfrm>
-          <a:prstGeom prst="rect">
-            <a:avLst/>
-          </a:prstGeom>
-        </p:spPr>
-      </p:pic>
-    </p:spTree>
-    <p:extLst>
-      <p:ext uri="{BB962C8B-B14F-4D97-AF65-F5344CB8AC3E}">
-        <p14:creationId xmlns:p14="http://schemas.microsoft.com/office/powerpoint/2010/main" val="3325852240"/>
-      </p:ext>
-    </p:extLst>
-  </p:cSld>
-  <p:clrMapOvr>
-    <a:masterClrMapping/>
-  </p:clrMapOvr>
-</p:sld>
-</file>
-
 <file path=ppt/slides/slide8.xml><?xml version="1.0" encoding="utf-8"?>
 <p:sld xmlns:a="http://schemas.openxmlformats.org/drawingml/2006/main" xmlns:r="http://schemas.openxmlformats.org/officeDocument/2006/relationships" xmlns:p="http://schemas.openxmlformats.org/presentationml/2006/main">
   <p:cSld>
@@ -14907,49 +15947,36 @@
           <a:p>
             <a:r>
               <a:rPr lang="en-US" dirty="0" err="1"/>
-              <a:t>Hiện</a:t>
-            </a:r>
-            <a:r>
-              <a:rPr lang="en-US" dirty="0"/>
-              <a:t> </a:t>
-            </a:r>
-            <a:r>
-              <a:rPr lang="en-US" dirty="0" err="1"/>
-              <a:t>nhiệt</a:t>
-            </a:r>
-            <a:r>
-              <a:rPr lang="en-US" dirty="0"/>
-              <a:t> </a:t>
-            </a:r>
-            <a:r>
-              <a:rPr lang="en-US" dirty="0" err="1"/>
-              <a:t>độ</a:t>
-            </a:r>
-            <a:r>
-              <a:rPr lang="en-US" dirty="0"/>
-              <a:t> </a:t>
-            </a:r>
-            <a:r>
-              <a:rPr lang="en-US" dirty="0" err="1"/>
-              <a:t>và</a:t>
-            </a:r>
-            <a:r>
-              <a:rPr lang="en-US" dirty="0"/>
-              <a:t> </a:t>
-            </a:r>
-            <a:r>
-              <a:rPr lang="en-US" dirty="0" err="1"/>
-              <a:t>độ</a:t>
-            </a:r>
-            <a:r>
-              <a:rPr lang="en-US" dirty="0"/>
-              <a:t> </a:t>
-            </a:r>
-            <a:r>
-              <a:rPr lang="en-US" dirty="0" err="1"/>
-              <a:t>ẩm</a:t>
-            </a:r>
-            <a:endParaRPr lang="en-US" dirty="0"/>
+              <a:t>Kiểm</a:t>
+            </a:r>
+            <a:r>
+              <a:rPr lang="en-US" dirty="0"/>
+              <a:t> </a:t>
+            </a:r>
+            <a:r>
+              <a:rPr lang="en-US" dirty="0" err="1"/>
+              <a:t>tra</a:t>
+            </a:r>
+            <a:r>
+              <a:rPr lang="en-US" dirty="0"/>
+              <a:t> </a:t>
+            </a:r>
+            <a:r>
+              <a:rPr lang="en-US" dirty="0" err="1"/>
+              <a:t>thiết</a:t>
+            </a:r>
+            <a:r>
+              <a:rPr lang="en-US" dirty="0"/>
+              <a:t> </a:t>
+            </a:r>
+            <a:r>
+              <a:rPr lang="en-US" dirty="0" err="1"/>
+              <a:t>bị</a:t>
+            </a:r>
+            <a:r>
+              <a:rPr lang="en-US" dirty="0"/>
+              <a:t> </a:t>
+            </a:r>
           </a:p>
         </p:txBody>
       </p:sp>
@@ -15074,7 +16101,7 @@
           <p:cNvPr id="8" name="Picture 7">
             <a:extLst>
               <a:ext uri="{FF2B5EF4-FFF2-40B4-BE49-F238E27FC236}">
-                <a16:creationId xmlns:a16="http://schemas.microsoft.com/office/drawing/2014/main" id="{E1434B65-D27C-A20F-7AA6-407136BAA018}"/>
+                <a16:creationId xmlns:a16="http://schemas.microsoft.com/office/drawing/2014/main" id="{8A0FB44F-BF68-7956-554B-441EBD935E56}"/>
               </a:ext>
             </a:extLst>
           </p:cNvPr>
@@ -15091,8 +16118,8 @@
         </p:blipFill>
         <p:spPr>
           <a:xfrm>
-            <a:off x="848376" y="1078173"/>
-            <a:ext cx="7548848" cy="3097697"/>
+            <a:off x="727030" y="1442545"/>
+            <a:ext cx="9945026" cy="4195225"/>
           </a:xfrm>
           <a:prstGeom prst="rect">
             <a:avLst/>
@@ -15102,7 +16129,7 @@
     </p:spTree>
     <p:extLst>
       <p:ext uri="{BB962C8B-B14F-4D97-AF65-F5344CB8AC3E}">
-        <p14:creationId xmlns:p14="http://schemas.microsoft.com/office/powerpoint/2010/main" val="3171841745"/>
+        <p14:creationId xmlns:p14="http://schemas.microsoft.com/office/powerpoint/2010/main" val="3325852240"/>
       </p:ext>
     </p:extLst>
   </p:cSld>
@@ -15307,44 +16334,49 @@
           <a:p>
             <a:r>
               <a:rPr lang="en-US" dirty="0" err="1"/>
-              <a:t>Cách</a:t>
-            </a:r>
-            <a:r>
-              <a:rPr lang="en-US" dirty="0"/>
-              <a:t>  </a:t>
-            </a:r>
-            <a:r>
-              <a:rPr lang="en-US" dirty="0" err="1"/>
-              <a:t>nhận</a:t>
-            </a:r>
-            <a:r>
-              <a:rPr lang="en-US" dirty="0"/>
-              <a:t> tin </a:t>
-            </a:r>
-            <a:r>
-              <a:rPr lang="en-US" dirty="0" err="1"/>
-              <a:t>nhắn</a:t>
-            </a:r>
-            <a:r>
-              <a:rPr lang="en-US" dirty="0"/>
-              <a:t> </a:t>
-            </a:r>
-            <a:r>
-              <a:rPr lang="en-US" dirty="0" err="1"/>
-              <a:t>cảnh</a:t>
-            </a:r>
-            <a:r>
-              <a:rPr lang="en-US" dirty="0"/>
-              <a:t> </a:t>
-            </a:r>
-            <a:r>
-              <a:rPr lang="en-US" dirty="0" err="1"/>
-              <a:t>báo</a:t>
-            </a:r>
-            <a:r>
-              <a:rPr lang="en-US" dirty="0"/>
-              <a:t> </a:t>
-            </a:r>
+              <a:t>Hiện</a:t>
+            </a:r>
+            <a:r>
+              <a:rPr lang="en-US" dirty="0"/>
+              <a:t> </a:t>
+            </a:r>
+            <a:r>
+              <a:rPr lang="en-US" dirty="0" err="1"/>
+              <a:t>nhiệt</a:t>
+            </a:r>
+            <a:r>
+              <a:rPr lang="en-US" dirty="0"/>
+              <a:t> </a:t>
+            </a:r>
+            <a:r>
+              <a:rPr lang="en-US" dirty="0" err="1"/>
+              <a:t>độ</a:t>
+            </a:r>
+            <a:r>
+              <a:rPr lang="en-US" dirty="0"/>
+              <a:t> </a:t>
+            </a:r>
+            <a:r>
+              <a:rPr lang="en-US" dirty="0" err="1"/>
+              <a:t>và</a:t>
+            </a:r>
+            <a:r>
+              <a:rPr lang="en-US" dirty="0"/>
+              <a:t> </a:t>
+            </a:r>
+            <a:r>
+              <a:rPr lang="en-US" dirty="0" err="1"/>
+              <a:t>độ</a:t>
+            </a:r>
+            <a:r>
+              <a:rPr lang="en-US" dirty="0"/>
+              <a:t> </a:t>
+            </a:r>
+            <a:r>
+              <a:rPr lang="en-US" dirty="0" err="1"/>
+              <a:t>ẩm</a:t>
+            </a:r>
+            <a:endParaRPr lang="en-US" dirty="0"/>
           </a:p>
         </p:txBody>
       </p:sp>
@@ -15466,10 +16498,10 @@
       </p:sp>
       <p:pic>
         <p:nvPicPr>
-          <p:cNvPr id="5" name="Picture 4">
+          <p:cNvPr id="8" name="Picture 7">
             <a:extLst>
               <a:ext uri="{FF2B5EF4-FFF2-40B4-BE49-F238E27FC236}">
-                <a16:creationId xmlns:a16="http://schemas.microsoft.com/office/drawing/2014/main" id="{66E0F1F1-DD30-3CDC-ED67-8AF035FF883C}"/>
+                <a16:creationId xmlns:a16="http://schemas.microsoft.com/office/drawing/2014/main" id="{E1434B65-D27C-A20F-7AA6-407136BAA018}"/>
               </a:ext>
             </a:extLst>
           </p:cNvPr>
@@ -15486,204 +16518,8 @@
         </p:blipFill>
         <p:spPr>
           <a:xfrm>
-            <a:off x="952310" y="1459911"/>
-            <a:ext cx="5423090" cy="2225384"/>
-          </a:xfrm>
-          <a:prstGeom prst="rect">
-            <a:avLst/>
-          </a:prstGeom>
-        </p:spPr>
-      </p:pic>
-      <p:sp>
-        <p:nvSpPr>
-          <p:cNvPr id="6" name="TextBox 5">
-            <a:extLst>
-              <a:ext uri="{FF2B5EF4-FFF2-40B4-BE49-F238E27FC236}">
-                <a16:creationId xmlns:a16="http://schemas.microsoft.com/office/drawing/2014/main" id="{165300D1-04C9-8E2B-F995-3345B25AE466}"/>
-              </a:ext>
-            </a:extLst>
-          </p:cNvPr>
-          <p:cNvSpPr txBox="1"/>
-          <p:nvPr/>
-        </p:nvSpPr>
-        <p:spPr>
-          <a:xfrm>
-            <a:off x="422889" y="1025958"/>
-            <a:ext cx="8410433" cy="369332"/>
-          </a:xfrm>
-          <a:prstGeom prst="rect">
-            <a:avLst/>
-          </a:prstGeom>
-          <a:noFill/>
-        </p:spPr>
-        <p:txBody>
-          <a:bodyPr wrap="square">
-            <a:spAutoFit/>
-          </a:bodyPr>
-          <a:lstStyle/>
-          <a:p>
-            <a:r>
-              <a:rPr lang="en-US" dirty="0"/>
-              <a:t>1   </a:t>
-            </a:r>
-            <a:r>
-              <a:rPr lang="en-US" dirty="0" err="1"/>
-              <a:t>Nhấp</a:t>
-            </a:r>
-            <a:r>
-              <a:rPr lang="en-US" dirty="0"/>
-              <a:t> </a:t>
-            </a:r>
-            <a:r>
-              <a:rPr lang="en-US" dirty="0" err="1"/>
-              <a:t>vào</a:t>
-            </a:r>
-            <a:r>
-              <a:rPr lang="en-US" dirty="0"/>
-              <a:t>  </a:t>
-            </a:r>
-            <a:r>
-              <a:rPr lang="en-US" dirty="0" err="1"/>
-              <a:t>nút</a:t>
-            </a:r>
-            <a:r>
-              <a:rPr lang="en-US" dirty="0"/>
-              <a:t>  “</a:t>
-            </a:r>
-            <a:r>
-              <a:rPr lang="en-US" dirty="0" err="1"/>
-              <a:t>Nhiều</a:t>
-            </a:r>
-            <a:r>
-              <a:rPr lang="en-US" dirty="0"/>
-              <a:t> </a:t>
-            </a:r>
-            <a:r>
-              <a:rPr lang="en-US" dirty="0" err="1"/>
-              <a:t>thông</a:t>
-            </a:r>
-            <a:r>
-              <a:rPr lang="en-US" dirty="0"/>
-              <a:t> tin </a:t>
-            </a:r>
-            <a:r>
-              <a:rPr lang="en-US" dirty="0" err="1"/>
-              <a:t>hơn</a:t>
-            </a:r>
-            <a:r>
-              <a:rPr lang="en-US" dirty="0"/>
-              <a:t>” </a:t>
-            </a:r>
-          </a:p>
-        </p:txBody>
-      </p:sp>
-      <p:sp>
-        <p:nvSpPr>
-          <p:cNvPr id="9" name="TextBox 8">
-            <a:extLst>
-              <a:ext uri="{FF2B5EF4-FFF2-40B4-BE49-F238E27FC236}">
-                <a16:creationId xmlns:a16="http://schemas.microsoft.com/office/drawing/2014/main" id="{BCBA2C6A-FABD-96FF-5216-5B55B4B0A5C0}"/>
-              </a:ext>
-            </a:extLst>
-          </p:cNvPr>
-          <p:cNvSpPr txBox="1"/>
-          <p:nvPr/>
-        </p:nvSpPr>
-        <p:spPr>
-          <a:xfrm>
-            <a:off x="422889" y="3458666"/>
-            <a:ext cx="8410433" cy="369332"/>
-          </a:xfrm>
-          <a:prstGeom prst="rect">
-            <a:avLst/>
-          </a:prstGeom>
-          <a:noFill/>
-        </p:spPr>
-        <p:txBody>
-          <a:bodyPr wrap="square">
-            <a:spAutoFit/>
-          </a:bodyPr>
-          <a:lstStyle/>
-          <a:p>
-            <a:r>
-              <a:rPr lang="en-US" dirty="0"/>
-              <a:t>2  </a:t>
-            </a:r>
-            <a:r>
-              <a:rPr lang="en-US" dirty="0" err="1"/>
-              <a:t>Nhấp</a:t>
-            </a:r>
-            <a:r>
-              <a:rPr lang="en-US" dirty="0"/>
-              <a:t> </a:t>
-            </a:r>
-            <a:r>
-              <a:rPr lang="en-US" dirty="0" err="1"/>
-              <a:t>vào</a:t>
-            </a:r>
-            <a:r>
-              <a:rPr lang="en-US" dirty="0"/>
-              <a:t>  </a:t>
-            </a:r>
-            <a:r>
-              <a:rPr lang="en-US" dirty="0" err="1"/>
-              <a:t>nút</a:t>
-            </a:r>
-            <a:r>
-              <a:rPr lang="en-US" dirty="0"/>
-              <a:t>  “</a:t>
-            </a:r>
-            <a:r>
-              <a:rPr lang="en-US" dirty="0" err="1"/>
-              <a:t>Nhiều</a:t>
-            </a:r>
-            <a:r>
-              <a:rPr lang="en-US" dirty="0"/>
-              <a:t> </a:t>
-            </a:r>
-            <a:r>
-              <a:rPr lang="en-US" dirty="0" err="1"/>
-              <a:t>thông</a:t>
-            </a:r>
-            <a:r>
-              <a:rPr lang="en-US" dirty="0"/>
-              <a:t> tin </a:t>
-            </a:r>
-            <a:r>
-              <a:rPr lang="en-US" dirty="0" err="1"/>
-              <a:t>hơn</a:t>
-            </a:r>
-            <a:r>
-              <a:rPr lang="en-US" dirty="0"/>
-              <a:t>” </a:t>
-            </a:r>
-          </a:p>
-        </p:txBody>
-      </p:sp>
-      <p:pic>
-        <p:nvPicPr>
-          <p:cNvPr id="15" name="Picture 14">
-            <a:extLst>
-              <a:ext uri="{FF2B5EF4-FFF2-40B4-BE49-F238E27FC236}">
-                <a16:creationId xmlns:a16="http://schemas.microsoft.com/office/drawing/2014/main" id="{AB4EDA55-8374-7C2B-259A-06162B6B4C18}"/>
-              </a:ext>
-            </a:extLst>
-          </p:cNvPr>
-          <p:cNvPicPr>
-            <a:picLocks noChangeAspect="1"/>
-          </p:cNvPicPr>
-          <p:nvPr/>
-        </p:nvPicPr>
-        <p:blipFill>
-          <a:blip r:embed="rId4"/>
-          <a:stretch>
-            <a:fillRect/>
-          </a:stretch>
-        </p:blipFill>
-        <p:spPr>
-          <a:xfrm>
-            <a:off x="727030" y="4067033"/>
-            <a:ext cx="9210675" cy="2619375"/>
+            <a:off x="848376" y="1078173"/>
+            <a:ext cx="7548848" cy="3097697"/>
           </a:xfrm>
           <a:prstGeom prst="rect">
             <a:avLst/>
@@ -15693,7 +16529,7 @@
     </p:spTree>
     <p:extLst>
       <p:ext uri="{BB962C8B-B14F-4D97-AF65-F5344CB8AC3E}">
-        <p14:creationId xmlns:p14="http://schemas.microsoft.com/office/powerpoint/2010/main" val="520431474"/>
+        <p14:creationId xmlns:p14="http://schemas.microsoft.com/office/powerpoint/2010/main" val="3171841745"/>
       </p:ext>
     </p:extLst>
   </p:cSld>

--- a/esp32_hardware/telua_eps32.pptx
+++ b/esp32_hardware/telua_eps32.pptx
@@ -11919,7 +11919,15 @@
                   <a:schemeClr val="tx1"/>
                 </a:solidFill>
               </a:rPr>
-              <a:t>đổikhi</a:t>
+              <a:t>đổi</a:t>
+            </a:r>
+            <a:r>
+              <a:rPr lang="en-US" sz="2000">
+                <a:solidFill>
+                  <a:schemeClr val="tx1"/>
+                </a:solidFill>
+              </a:rPr>
+              <a:t> khi</a:t>
             </a:r>
             <a:r>
               <a:rPr lang="en-US" sz="2000" dirty="0">

--- a/esp32_hardware/telua_eps32.pptx
+++ b/esp32_hardware/telua_eps32.pptx
@@ -849,7 +849,7 @@
           <a:p>
             <a:fld id="{3341EE12-F28E-4B03-A404-A8FCAE0F6316}" type="datetime1">
               <a:rPr lang="en-US" smtClean="0"/>
-              <a:t>6/4/2023</a:t>
+              <a:t>6/5/2023</a:t>
             </a:fld>
             <a:endParaRPr lang="en-US" dirty="0"/>
           </a:p>
@@ -1100,7 +1100,7 @@
           <a:p>
             <a:fld id="{6989806E-8E94-473C-AEE7-BE6F15F85533}" type="datetime1">
               <a:rPr lang="en-US" smtClean="0"/>
-              <a:t>6/4/2023</a:t>
+              <a:t>6/5/2023</a:t>
             </a:fld>
             <a:endParaRPr lang="en-US" dirty="0"/>
           </a:p>
@@ -1416,7 +1416,7 @@
           <a:p>
             <a:fld id="{6989806E-8E94-473C-AEE7-BE6F15F85533}" type="datetime1">
               <a:rPr lang="en-US" smtClean="0"/>
-              <a:t>6/4/2023</a:t>
+              <a:t>6/5/2023</a:t>
             </a:fld>
             <a:endParaRPr lang="en-US" dirty="0"/>
           </a:p>
@@ -1759,7 +1759,7 @@
           <a:p>
             <a:fld id="{6989806E-8E94-473C-AEE7-BE6F15F85533}" type="datetime1">
               <a:rPr lang="en-US" smtClean="0"/>
-              <a:t>6/4/2023</a:t>
+              <a:t>6/5/2023</a:t>
             </a:fld>
             <a:endParaRPr lang="en-US" dirty="0"/>
           </a:p>
@@ -2075,7 +2075,7 @@
           <a:p>
             <a:fld id="{6989806E-8E94-473C-AEE7-BE6F15F85533}" type="datetime1">
               <a:rPr lang="en-US" smtClean="0"/>
-              <a:t>6/4/2023</a:t>
+              <a:t>6/5/2023</a:t>
             </a:fld>
             <a:endParaRPr lang="en-US" dirty="0"/>
           </a:p>
@@ -2470,7 +2470,7 @@
           <a:p>
             <a:fld id="{6989806E-8E94-473C-AEE7-BE6F15F85533}" type="datetime1">
               <a:rPr lang="en-US" smtClean="0"/>
-              <a:t>6/4/2023</a:t>
+              <a:t>6/5/2023</a:t>
             </a:fld>
             <a:endParaRPr lang="en-US" dirty="0"/>
           </a:p>
@@ -2642,7 +2642,7 @@
           <a:p>
             <a:fld id="{B68B8189-0D9C-48A6-9FA3-862227B094CE}" type="datetime1">
               <a:rPr lang="en-US" smtClean="0"/>
-              <a:t>6/4/2023</a:t>
+              <a:t>6/5/2023</a:t>
             </a:fld>
             <a:endParaRPr lang="en-US"/>
           </a:p>
@@ -2822,7 +2822,7 @@
           <a:p>
             <a:fld id="{26ADDCAE-6443-42C3-9C19-F95985500186}" type="datetime1">
               <a:rPr lang="en-US" smtClean="0"/>
-              <a:t>6/4/2023</a:t>
+              <a:t>6/5/2023</a:t>
             </a:fld>
             <a:endParaRPr lang="en-US" dirty="0"/>
           </a:p>
@@ -2998,7 +2998,7 @@
           <a:p>
             <a:fld id="{1962799E-EB8E-4038-8063-81BB57C732D4}" type="datetime1">
               <a:rPr lang="en-US" smtClean="0"/>
-              <a:t>6/4/2023</a:t>
+              <a:t>6/5/2023</a:t>
             </a:fld>
             <a:endParaRPr lang="en-US"/>
           </a:p>
@@ -3245,7 +3245,7 @@
           <a:p>
             <a:fld id="{217A73C3-B243-44D3-809D-EF8FDFBD85D4}" type="datetime1">
               <a:rPr lang="en-US" smtClean="0"/>
-              <a:t>6/4/2023</a:t>
+              <a:t>6/5/2023</a:t>
             </a:fld>
             <a:endParaRPr lang="en-US" dirty="0"/>
           </a:p>
@@ -3477,7 +3477,7 @@
           <a:p>
             <a:fld id="{C9B6D3E3-28E2-4380-A113-67698215C5F8}" type="datetime1">
               <a:rPr lang="en-US" smtClean="0"/>
-              <a:t>6/4/2023</a:t>
+              <a:t>6/5/2023</a:t>
             </a:fld>
             <a:endParaRPr lang="en-US" dirty="0"/>
           </a:p>
@@ -3851,7 +3851,7 @@
           <a:p>
             <a:fld id="{A9EFCB61-04AD-47C9-BF79-2BD8B9CEC07A}" type="datetime1">
               <a:rPr lang="en-US" smtClean="0"/>
-              <a:t>6/4/2023</a:t>
+              <a:t>6/5/2023</a:t>
             </a:fld>
             <a:endParaRPr lang="en-US" dirty="0"/>
           </a:p>
@@ -3974,7 +3974,7 @@
           <a:p>
             <a:fld id="{A4535E0C-D585-492F-8146-7493F4086301}" type="datetime1">
               <a:rPr lang="en-US" smtClean="0"/>
-              <a:t>6/4/2023</a:t>
+              <a:t>6/5/2023</a:t>
             </a:fld>
             <a:endParaRPr lang="en-US"/>
           </a:p>
@@ -4069,7 +4069,7 @@
           <a:p>
             <a:fld id="{8CE48390-48B5-49AB-B019-A7C8FB8C31F6}" type="datetime1">
               <a:rPr lang="en-US" smtClean="0"/>
-              <a:t>6/4/2023</a:t>
+              <a:t>6/5/2023</a:t>
             </a:fld>
             <a:endParaRPr lang="en-US"/>
           </a:p>
@@ -4324,7 +4324,7 @@
           <a:p>
             <a:fld id="{962E767E-8A14-4E70-91B9-2101CBC4D7BD}" type="datetime1">
               <a:rPr lang="en-US" smtClean="0"/>
-              <a:t>6/4/2023</a:t>
+              <a:t>6/5/2023</a:t>
             </a:fld>
             <a:endParaRPr lang="en-US" dirty="0"/>
           </a:p>
@@ -4587,7 +4587,7 @@
           <a:p>
             <a:fld id="{01AF0C4B-5A4A-45CA-ABEC-10F107160D33}" type="datetime1">
               <a:rPr lang="en-US" smtClean="0"/>
-              <a:t>6/4/2023</a:t>
+              <a:t>6/5/2023</a:t>
             </a:fld>
             <a:endParaRPr lang="en-US" dirty="0"/>
           </a:p>
@@ -5330,7 +5330,7 @@
           <a:p>
             <a:fld id="{6989806E-8E94-473C-AEE7-BE6F15F85533}" type="datetime1">
               <a:rPr lang="en-US" smtClean="0"/>
-              <a:t>6/4/2023</a:t>
+              <a:t>6/5/2023</a:t>
             </a:fld>
             <a:endParaRPr lang="en-US" dirty="0"/>
           </a:p>
@@ -13102,7 +13102,7 @@
                   <a:schemeClr val="tx1"/>
                 </a:solidFill>
               </a:rPr>
-              <a:t>  Internet</a:t>
+              <a:t> Internet</a:t>
             </a:r>
           </a:p>
           <a:p>
@@ -16126,8 +16126,8 @@
         </p:blipFill>
         <p:spPr>
           <a:xfrm>
-            <a:off x="727030" y="1442545"/>
-            <a:ext cx="9945026" cy="4195225"/>
+            <a:off x="302312" y="1364776"/>
+            <a:ext cx="9446104" cy="3984759"/>
           </a:xfrm>
           <a:prstGeom prst="rect">
             <a:avLst/>
